--- a/presentation/Pitch Presentation.pptx
+++ b/presentation/Pitch Presentation.pptx
@@ -8,7 +8,11 @@
     <p:sldId id="261" r:id="rId2"/>
     <p:sldId id="262" r:id="rId3"/>
     <p:sldId id="257" r:id="rId4"/>
-    <p:sldId id="260" r:id="rId5"/>
+    <p:sldId id="263" r:id="rId5"/>
+    <p:sldId id="264" r:id="rId6"/>
+    <p:sldId id="265" r:id="rId7"/>
+    <p:sldId id="266" r:id="rId8"/>
+    <p:sldId id="267" r:id="rId9"/>
   </p:sldIdLst>
   <p:sldSz cx="12192000" cy="6858000"/>
   <p:notesSz cx="6858000" cy="9144000"/>
@@ -107,6 +111,11 @@
       </a:defRPr>
     </a:lvl9pPr>
   </p:defaultTextStyle>
+  <p:extLst>
+    <p:ext uri="{EFAFB233-063F-42B5-8137-9DF3F51BA10A}">
+      <p15:sldGuideLst xmlns:p15="http://schemas.microsoft.com/office/powerpoint/2012/main"/>
+    </p:ext>
+  </p:extLst>
 </p:presentation>
 </file>
 
@@ -259,7 +268,7 @@
           <a:p>
             <a:fld id="{98E7CECB-F95B-4354-86FC-67CE183DE47D}" type="datetimeFigureOut">
               <a:rPr lang="en-PH" smtClean="0"/>
-              <a:t>27 Jan 2018</a:t>
+              <a:t>28/01/2018</a:t>
             </a:fld>
             <a:endParaRPr lang="en-PH"/>
           </a:p>
@@ -459,7 +468,7 @@
           <a:p>
             <a:fld id="{98E7CECB-F95B-4354-86FC-67CE183DE47D}" type="datetimeFigureOut">
               <a:rPr lang="en-PH" smtClean="0"/>
-              <a:t>27 Jan 2018</a:t>
+              <a:t>28/01/2018</a:t>
             </a:fld>
             <a:endParaRPr lang="en-PH"/>
           </a:p>
@@ -669,7 +678,7 @@
           <a:p>
             <a:fld id="{98E7CECB-F95B-4354-86FC-67CE183DE47D}" type="datetimeFigureOut">
               <a:rPr lang="en-PH" smtClean="0"/>
-              <a:t>27 Jan 2018</a:t>
+              <a:t>28/01/2018</a:t>
             </a:fld>
             <a:endParaRPr lang="en-PH"/>
           </a:p>
@@ -869,7 +878,7 @@
           <a:p>
             <a:fld id="{98E7CECB-F95B-4354-86FC-67CE183DE47D}" type="datetimeFigureOut">
               <a:rPr lang="en-PH" smtClean="0"/>
-              <a:t>27 Jan 2018</a:t>
+              <a:t>28/01/2018</a:t>
             </a:fld>
             <a:endParaRPr lang="en-PH"/>
           </a:p>
@@ -1145,7 +1154,7 @@
           <a:p>
             <a:fld id="{98E7CECB-F95B-4354-86FC-67CE183DE47D}" type="datetimeFigureOut">
               <a:rPr lang="en-PH" smtClean="0"/>
-              <a:t>27 Jan 2018</a:t>
+              <a:t>28/01/2018</a:t>
             </a:fld>
             <a:endParaRPr lang="en-PH"/>
           </a:p>
@@ -1413,7 +1422,7 @@
           <a:p>
             <a:fld id="{98E7CECB-F95B-4354-86FC-67CE183DE47D}" type="datetimeFigureOut">
               <a:rPr lang="en-PH" smtClean="0"/>
-              <a:t>27 Jan 2018</a:t>
+              <a:t>28/01/2018</a:t>
             </a:fld>
             <a:endParaRPr lang="en-PH"/>
           </a:p>
@@ -1828,7 +1837,7 @@
           <a:p>
             <a:fld id="{98E7CECB-F95B-4354-86FC-67CE183DE47D}" type="datetimeFigureOut">
               <a:rPr lang="en-PH" smtClean="0"/>
-              <a:t>27 Jan 2018</a:t>
+              <a:t>28/01/2018</a:t>
             </a:fld>
             <a:endParaRPr lang="en-PH"/>
           </a:p>
@@ -1970,7 +1979,7 @@
           <a:p>
             <a:fld id="{98E7CECB-F95B-4354-86FC-67CE183DE47D}" type="datetimeFigureOut">
               <a:rPr lang="en-PH" smtClean="0"/>
-              <a:t>27 Jan 2018</a:t>
+              <a:t>28/01/2018</a:t>
             </a:fld>
             <a:endParaRPr lang="en-PH"/>
           </a:p>
@@ -2083,7 +2092,7 @@
           <a:p>
             <a:fld id="{98E7CECB-F95B-4354-86FC-67CE183DE47D}" type="datetimeFigureOut">
               <a:rPr lang="en-PH" smtClean="0"/>
-              <a:t>27 Jan 2018</a:t>
+              <a:t>28/01/2018</a:t>
             </a:fld>
             <a:endParaRPr lang="en-PH"/>
           </a:p>
@@ -2396,7 +2405,7 @@
           <a:p>
             <a:fld id="{98E7CECB-F95B-4354-86FC-67CE183DE47D}" type="datetimeFigureOut">
               <a:rPr lang="en-PH" smtClean="0"/>
-              <a:t>27 Jan 2018</a:t>
+              <a:t>28/01/2018</a:t>
             </a:fld>
             <a:endParaRPr lang="en-PH"/>
           </a:p>
@@ -2685,7 +2694,7 @@
           <a:p>
             <a:fld id="{98E7CECB-F95B-4354-86FC-67CE183DE47D}" type="datetimeFigureOut">
               <a:rPr lang="en-PH" smtClean="0"/>
-              <a:t>27 Jan 2018</a:t>
+              <a:t>28/01/2018</a:t>
             </a:fld>
             <a:endParaRPr lang="en-PH"/>
           </a:p>
@@ -2928,7 +2937,7 @@
           <a:p>
             <a:fld id="{98E7CECB-F95B-4354-86FC-67CE183DE47D}" type="datetimeFigureOut">
               <a:rPr lang="en-PH" smtClean="0"/>
-              <a:t>27 Jan 2018</a:t>
+              <a:t>28/01/2018</a:t>
             </a:fld>
             <a:endParaRPr lang="en-PH"/>
           </a:p>
@@ -5394,59 +5403,48 @@
           <a:chExt cx="0" cy="0"/>
         </a:xfrm>
       </p:grpSpPr>
-      <p:pic>
-        <p:nvPicPr>
-          <p:cNvPr id="15" name="Picture 14">
-            <a:extLst>
-              <a:ext uri="{FF2B5EF4-FFF2-40B4-BE49-F238E27FC236}">
-                <a16:creationId xmlns:a16="http://schemas.microsoft.com/office/drawing/2014/main" id="{B52F1DB5-0C5E-47E8-854E-E78AC30814E2}"/>
-              </a:ext>
-            </a:extLst>
-          </p:cNvPr>
-          <p:cNvPicPr>
-            <a:picLocks noChangeAspect="1"/>
-          </p:cNvPicPr>
+      <p:sp>
+        <p:nvSpPr>
+          <p:cNvPr id="4" name="TextBox 3">
+            <a:extLst>
+              <a:ext uri="{FF2B5EF4-FFF2-40B4-BE49-F238E27FC236}">
+                <a16:creationId xmlns:a16="http://schemas.microsoft.com/office/drawing/2014/main" id="{443BBEC2-FC21-4DD5-97F2-9C2F05C30F00}"/>
+              </a:ext>
+            </a:extLst>
+          </p:cNvPr>
+          <p:cNvSpPr txBox="1"/>
           <p:nvPr/>
-        </p:nvPicPr>
-        <p:blipFill rotWithShape="1">
-          <a:blip r:embed="rId2">
-            <a:extLst>
-              <a:ext uri="{BEBA8EAE-BF5A-486C-A8C5-ECC9F3942E4B}">
-                <a14:imgProps xmlns:a14="http://schemas.microsoft.com/office/drawing/2010/main">
-                  <a14:imgLayer r:embed="rId3">
-                    <a14:imgEffect>
-                      <a14:sharpenSoften amount="25000"/>
-                    </a14:imgEffect>
-                    <a14:imgEffect>
-                      <a14:saturation sat="0"/>
-                    </a14:imgEffect>
-                  </a14:imgLayer>
-                </a14:imgProps>
-              </a:ext>
-              <a:ext uri="{28A0092B-C50C-407E-A947-70E740481C1C}">
-                <a14:useLocalDpi xmlns:a14="http://schemas.microsoft.com/office/drawing/2010/main" val="0"/>
-              </a:ext>
-            </a:extLst>
-          </a:blip>
-          <a:srcRect b="15582"/>
-          <a:stretch/>
-        </p:blipFill>
-        <p:spPr>
-          <a:xfrm>
-            <a:off x="-2" y="-33339"/>
-            <a:ext cx="12192003" cy="6924675"/>
+        </p:nvSpPr>
+        <p:spPr>
+          <a:xfrm>
+            <a:off x="5167700" y="2825095"/>
+            <a:ext cx="1856597" cy="461665"/>
           </a:xfrm>
           <a:prstGeom prst="rect">
             <a:avLst/>
           </a:prstGeom>
-        </p:spPr>
-      </p:pic>
-      <p:sp>
-        <p:nvSpPr>
-          <p:cNvPr id="7" name="Rectangle 6">
-            <a:extLst>
-              <a:ext uri="{FF2B5EF4-FFF2-40B4-BE49-F238E27FC236}">
-                <a16:creationId xmlns:a16="http://schemas.microsoft.com/office/drawing/2014/main" id="{517F62CF-9F67-4179-8B10-96672355075C}"/>
+          <a:noFill/>
+        </p:spPr>
+        <p:txBody>
+          <a:bodyPr wrap="none" rtlCol="0">
+            <a:spAutoFit/>
+          </a:bodyPr>
+          <a:lstStyle/>
+          <a:p>
+            <a:pPr algn="ctr"/>
+            <a:r>
+              <a:rPr lang="en-PH" sz="2400" dirty="0"/>
+              <a:t>Please sign in</a:t>
+            </a:r>
+          </a:p>
+        </p:txBody>
+      </p:sp>
+      <p:sp>
+        <p:nvSpPr>
+          <p:cNvPr id="5" name="Rectangle 4">
+            <a:extLst>
+              <a:ext uri="{FF2B5EF4-FFF2-40B4-BE49-F238E27FC236}">
+                <a16:creationId xmlns:a16="http://schemas.microsoft.com/office/drawing/2014/main" id="{3A3CE1BD-5D1E-4F2C-A107-4367E8AE2AFE}"/>
               </a:ext>
             </a:extLst>
           </p:cNvPr>
@@ -5455,17 +5453,16 @@
         </p:nvSpPr>
         <p:spPr>
           <a:xfrm>
-            <a:off x="5287108" y="0"/>
-            <a:ext cx="6904892" cy="6858000"/>
+            <a:off x="4646367" y="3393642"/>
+            <a:ext cx="2899262" cy="543568"/>
           </a:xfrm>
           <a:prstGeom prst="rect">
             <a:avLst/>
           </a:prstGeom>
           <a:solidFill>
-            <a:srgbClr val="002060">
-              <a:alpha val="80000"/>
-            </a:srgbClr>
+            <a:schemeClr val="bg1"/>
           </a:solidFill>
+          <a:ln w="28575"/>
         </p:spPr>
         <p:style>
           <a:lnRef idx="2">
@@ -5487,6 +5484,1112 @@
           <a:bodyPr rtlCol="0" anchor="ctr"/>
           <a:lstStyle/>
           <a:p>
+            <a:r>
+              <a:rPr lang="en-PH" sz="2400" dirty="0">
+                <a:solidFill>
+                  <a:schemeClr val="tx1"/>
+                </a:solidFill>
+              </a:rPr>
+              <a:t>917 XXX XXXX</a:t>
+            </a:r>
+          </a:p>
+        </p:txBody>
+      </p:sp>
+      <p:sp>
+        <p:nvSpPr>
+          <p:cNvPr id="6" name="Rectangle 5">
+            <a:extLst>
+              <a:ext uri="{FF2B5EF4-FFF2-40B4-BE49-F238E27FC236}">
+                <a16:creationId xmlns:a16="http://schemas.microsoft.com/office/drawing/2014/main" id="{513F971F-3BB1-4E90-AD13-06E6F8E0B99F}"/>
+              </a:ext>
+            </a:extLst>
+          </p:cNvPr>
+          <p:cNvSpPr/>
+          <p:nvPr/>
+        </p:nvSpPr>
+        <p:spPr>
+          <a:xfrm>
+            <a:off x="4646367" y="4044092"/>
+            <a:ext cx="2899262" cy="543568"/>
+          </a:xfrm>
+          <a:prstGeom prst="rect">
+            <a:avLst/>
+          </a:prstGeom>
+          <a:solidFill>
+            <a:srgbClr val="DB2D2D"/>
+          </a:solidFill>
+          <a:ln w="28575"/>
+        </p:spPr>
+        <p:style>
+          <a:lnRef idx="2">
+            <a:schemeClr val="accent1">
+              <a:shade val="50000"/>
+            </a:schemeClr>
+          </a:lnRef>
+          <a:fillRef idx="1">
+            <a:schemeClr val="accent1"/>
+          </a:fillRef>
+          <a:effectRef idx="0">
+            <a:schemeClr val="accent1"/>
+          </a:effectRef>
+          <a:fontRef idx="minor">
+            <a:schemeClr val="lt1"/>
+          </a:fontRef>
+        </p:style>
+        <p:txBody>
+          <a:bodyPr rtlCol="0" anchor="ctr"/>
+          <a:lstStyle/>
+          <a:p>
+            <a:pPr algn="ctr"/>
+            <a:r>
+              <a:rPr lang="en-PH" sz="2000" dirty="0">
+                <a:solidFill>
+                  <a:schemeClr val="bg1"/>
+                </a:solidFill>
+              </a:rPr>
+              <a:t>REQUEST CODE</a:t>
+            </a:r>
+          </a:p>
+        </p:txBody>
+      </p:sp>
+      <p:sp>
+        <p:nvSpPr>
+          <p:cNvPr id="7" name="Rectangle 6">
+            <a:extLst>
+              <a:ext uri="{FF2B5EF4-FFF2-40B4-BE49-F238E27FC236}">
+                <a16:creationId xmlns:a16="http://schemas.microsoft.com/office/drawing/2014/main" id="{926FE374-0114-4A35-BDC1-D2E925C0EEDC}"/>
+              </a:ext>
+            </a:extLst>
+          </p:cNvPr>
+          <p:cNvSpPr/>
+          <p:nvPr/>
+        </p:nvSpPr>
+        <p:spPr>
+          <a:xfrm>
+            <a:off x="5311799" y="1144332"/>
+            <a:ext cx="1568401" cy="1568401"/>
+          </a:xfrm>
+          <a:prstGeom prst="rect">
+            <a:avLst/>
+          </a:prstGeom>
+          <a:noFill/>
+        </p:spPr>
+        <p:style>
+          <a:lnRef idx="2">
+            <a:schemeClr val="accent1">
+              <a:shade val="50000"/>
+            </a:schemeClr>
+          </a:lnRef>
+          <a:fillRef idx="1">
+            <a:schemeClr val="accent1"/>
+          </a:fillRef>
+          <a:effectRef idx="0">
+            <a:schemeClr val="accent1"/>
+          </a:effectRef>
+          <a:fontRef idx="minor">
+            <a:schemeClr val="lt1"/>
+          </a:fontRef>
+        </p:style>
+        <p:txBody>
+          <a:bodyPr rtlCol="0" anchor="ctr"/>
+          <a:lstStyle/>
+          <a:p>
+            <a:pPr algn="ctr"/>
+            <a:endParaRPr lang="en-PH"/>
+          </a:p>
+        </p:txBody>
+      </p:sp>
+      <p:sp>
+        <p:nvSpPr>
+          <p:cNvPr id="8" name="TextBox 7">
+            <a:extLst>
+              <a:ext uri="{FF2B5EF4-FFF2-40B4-BE49-F238E27FC236}">
+                <a16:creationId xmlns:a16="http://schemas.microsoft.com/office/drawing/2014/main" id="{9C0980CE-B114-42AC-B904-01350CC7017D}"/>
+              </a:ext>
+            </a:extLst>
+          </p:cNvPr>
+          <p:cNvSpPr txBox="1"/>
+          <p:nvPr/>
+        </p:nvSpPr>
+        <p:spPr>
+          <a:xfrm>
+            <a:off x="5002429" y="5049671"/>
+            <a:ext cx="2187137" cy="400110"/>
+          </a:xfrm>
+          <a:prstGeom prst="rect">
+            <a:avLst/>
+          </a:prstGeom>
+          <a:noFill/>
+        </p:spPr>
+        <p:txBody>
+          <a:bodyPr wrap="none" rtlCol="0">
+            <a:spAutoFit/>
+          </a:bodyPr>
+          <a:lstStyle/>
+          <a:p>
+            <a:r>
+              <a:rPr lang="en-PH" sz="2000" dirty="0">
+                <a:solidFill>
+                  <a:schemeClr val="tx1">
+                    <a:lumMod val="75000"/>
+                    <a:lumOff val="25000"/>
+                  </a:schemeClr>
+                </a:solidFill>
+              </a:rPr>
+              <a:t>© Baby Shark 2018</a:t>
+            </a:r>
+          </a:p>
+        </p:txBody>
+      </p:sp>
+      <p:sp>
+        <p:nvSpPr>
+          <p:cNvPr id="9" name="TextBox 8">
+            <a:extLst>
+              <a:ext uri="{FF2B5EF4-FFF2-40B4-BE49-F238E27FC236}">
+                <a16:creationId xmlns:a16="http://schemas.microsoft.com/office/drawing/2014/main" id="{42D9A3B2-B33E-4D73-ABAF-AC31816DB2C6}"/>
+              </a:ext>
+            </a:extLst>
+          </p:cNvPr>
+          <p:cNvSpPr txBox="1"/>
+          <p:nvPr/>
+        </p:nvSpPr>
+        <p:spPr>
+          <a:xfrm>
+            <a:off x="0" y="0"/>
+            <a:ext cx="354584" cy="369332"/>
+          </a:xfrm>
+          <a:prstGeom prst="rect">
+            <a:avLst/>
+          </a:prstGeom>
+          <a:noFill/>
+        </p:spPr>
+        <p:txBody>
+          <a:bodyPr wrap="none" rtlCol="0">
+            <a:spAutoFit/>
+          </a:bodyPr>
+          <a:lstStyle/>
+          <a:p>
+            <a:r>
+              <a:rPr lang="en-PH" dirty="0"/>
+              <a:t>1 </a:t>
+            </a:r>
+          </a:p>
+        </p:txBody>
+      </p:sp>
+      <p:cxnSp>
+        <p:nvCxnSpPr>
+          <p:cNvPr id="3" name="Straight Arrow Connector 2">
+            <a:extLst>
+              <a:ext uri="{FF2B5EF4-FFF2-40B4-BE49-F238E27FC236}">
+                <a16:creationId xmlns:a16="http://schemas.microsoft.com/office/drawing/2014/main" id="{78A1E363-237D-4396-9684-BBEC8FFE37CA}"/>
+              </a:ext>
+            </a:extLst>
+          </p:cNvPr>
+          <p:cNvCxnSpPr>
+            <a:cxnSpLocks/>
+          </p:cNvCxnSpPr>
+          <p:nvPr/>
+        </p:nvCxnSpPr>
+        <p:spPr>
+          <a:xfrm>
+            <a:off x="7545629" y="4326340"/>
+            <a:ext cx="943278" cy="0"/>
+          </a:xfrm>
+          <a:prstGeom prst="straightConnector1">
+            <a:avLst/>
+          </a:prstGeom>
+          <a:ln w="38100">
+            <a:solidFill>
+              <a:schemeClr val="tx1"/>
+            </a:solidFill>
+            <a:tailEnd type="triangle"/>
+          </a:ln>
+        </p:spPr>
+        <p:style>
+          <a:lnRef idx="1">
+            <a:schemeClr val="accent1"/>
+          </a:lnRef>
+          <a:fillRef idx="0">
+            <a:schemeClr val="accent1"/>
+          </a:fillRef>
+          <a:effectRef idx="0">
+            <a:schemeClr val="accent1"/>
+          </a:effectRef>
+          <a:fontRef idx="minor">
+            <a:schemeClr val="tx1"/>
+          </a:fontRef>
+        </p:style>
+      </p:cxnSp>
+      <p:sp>
+        <p:nvSpPr>
+          <p:cNvPr id="12" name="TextBox 11">
+            <a:extLst>
+              <a:ext uri="{FF2B5EF4-FFF2-40B4-BE49-F238E27FC236}">
+                <a16:creationId xmlns:a16="http://schemas.microsoft.com/office/drawing/2014/main" id="{774A9682-3925-4791-948A-62A48F4B59E4}"/>
+              </a:ext>
+            </a:extLst>
+          </p:cNvPr>
+          <p:cNvSpPr txBox="1"/>
+          <p:nvPr/>
+        </p:nvSpPr>
+        <p:spPr>
+          <a:xfrm>
+            <a:off x="8488907" y="4131210"/>
+            <a:ext cx="1379545" cy="369332"/>
+          </a:xfrm>
+          <a:prstGeom prst="rect">
+            <a:avLst/>
+          </a:prstGeom>
+          <a:noFill/>
+        </p:spPr>
+        <p:txBody>
+          <a:bodyPr wrap="none" rtlCol="0">
+            <a:spAutoFit/>
+          </a:bodyPr>
+          <a:lstStyle/>
+          <a:p>
+            <a:r>
+              <a:rPr lang="en-PH" dirty="0"/>
+              <a:t>Go to page 2</a:t>
+            </a:r>
+          </a:p>
+        </p:txBody>
+      </p:sp>
+    </p:spTree>
+    <p:extLst>
+      <p:ext uri="{BB962C8B-B14F-4D97-AF65-F5344CB8AC3E}">
+        <p14:creationId xmlns:p14="http://schemas.microsoft.com/office/powerpoint/2010/main" val="3248748932"/>
+      </p:ext>
+    </p:extLst>
+  </p:cSld>
+  <p:clrMapOvr>
+    <a:masterClrMapping/>
+  </p:clrMapOvr>
+</p:sld>
+</file>
+
+<file path=ppt/slides/slide5.xml><?xml version="1.0" encoding="utf-8"?>
+<p:sld xmlns:a="http://schemas.openxmlformats.org/drawingml/2006/main" xmlns:r="http://schemas.openxmlformats.org/officeDocument/2006/relationships" xmlns:p="http://schemas.openxmlformats.org/presentationml/2006/main">
+  <p:cSld>
+    <p:spTree>
+      <p:nvGrpSpPr>
+        <p:cNvPr id="1" name=""/>
+        <p:cNvGrpSpPr/>
+        <p:nvPr/>
+      </p:nvGrpSpPr>
+      <p:grpSpPr>
+        <a:xfrm>
+          <a:off x="0" y="0"/>
+          <a:ext cx="0" cy="0"/>
+          <a:chOff x="0" y="0"/>
+          <a:chExt cx="0" cy="0"/>
+        </a:xfrm>
+      </p:grpSpPr>
+      <p:sp>
+        <p:nvSpPr>
+          <p:cNvPr id="5" name="TextBox 4">
+            <a:extLst>
+              <a:ext uri="{FF2B5EF4-FFF2-40B4-BE49-F238E27FC236}">
+                <a16:creationId xmlns:a16="http://schemas.microsoft.com/office/drawing/2014/main" id="{19FAB24B-B5EC-4A13-BBC5-ED3FA652ED3D}"/>
+              </a:ext>
+            </a:extLst>
+          </p:cNvPr>
+          <p:cNvSpPr txBox="1"/>
+          <p:nvPr/>
+        </p:nvSpPr>
+        <p:spPr>
+          <a:xfrm>
+            <a:off x="0" y="0"/>
+            <a:ext cx="301686" cy="369332"/>
+          </a:xfrm>
+          <a:prstGeom prst="rect">
+            <a:avLst/>
+          </a:prstGeom>
+          <a:noFill/>
+        </p:spPr>
+        <p:txBody>
+          <a:bodyPr wrap="none" rtlCol="0">
+            <a:spAutoFit/>
+          </a:bodyPr>
+          <a:lstStyle/>
+          <a:p>
+            <a:r>
+              <a:rPr lang="en-PH" dirty="0"/>
+              <a:t>2</a:t>
+            </a:r>
+          </a:p>
+        </p:txBody>
+      </p:sp>
+      <p:sp>
+        <p:nvSpPr>
+          <p:cNvPr id="6" name="TextBox 5">
+            <a:extLst>
+              <a:ext uri="{FF2B5EF4-FFF2-40B4-BE49-F238E27FC236}">
+                <a16:creationId xmlns:a16="http://schemas.microsoft.com/office/drawing/2014/main" id="{44925F9F-560D-4B9D-BB89-7CCC895FE6AF}"/>
+              </a:ext>
+            </a:extLst>
+          </p:cNvPr>
+          <p:cNvSpPr txBox="1"/>
+          <p:nvPr/>
+        </p:nvSpPr>
+        <p:spPr>
+          <a:xfrm>
+            <a:off x="3699386" y="2825095"/>
+            <a:ext cx="4793236" cy="461665"/>
+          </a:xfrm>
+          <a:prstGeom prst="rect">
+            <a:avLst/>
+          </a:prstGeom>
+          <a:noFill/>
+        </p:spPr>
+        <p:txBody>
+          <a:bodyPr wrap="none" rtlCol="0">
+            <a:spAutoFit/>
+          </a:bodyPr>
+          <a:lstStyle/>
+          <a:p>
+            <a:pPr algn="ctr"/>
+            <a:r>
+              <a:rPr lang="en-PH" sz="2400" dirty="0"/>
+              <a:t>Your verification code has been sent!</a:t>
+            </a:r>
+          </a:p>
+        </p:txBody>
+      </p:sp>
+      <p:sp>
+        <p:nvSpPr>
+          <p:cNvPr id="7" name="Rectangle 6">
+            <a:extLst>
+              <a:ext uri="{FF2B5EF4-FFF2-40B4-BE49-F238E27FC236}">
+                <a16:creationId xmlns:a16="http://schemas.microsoft.com/office/drawing/2014/main" id="{EEFA732D-14C4-4580-988A-014EE66E22D6}"/>
+              </a:ext>
+            </a:extLst>
+          </p:cNvPr>
+          <p:cNvSpPr/>
+          <p:nvPr/>
+        </p:nvSpPr>
+        <p:spPr>
+          <a:xfrm>
+            <a:off x="4646367" y="3383584"/>
+            <a:ext cx="2899262" cy="543568"/>
+          </a:xfrm>
+          <a:prstGeom prst="rect">
+            <a:avLst/>
+          </a:prstGeom>
+          <a:solidFill>
+            <a:schemeClr val="bg1"/>
+          </a:solidFill>
+          <a:ln w="28575"/>
+        </p:spPr>
+        <p:style>
+          <a:lnRef idx="2">
+            <a:schemeClr val="accent1">
+              <a:shade val="50000"/>
+            </a:schemeClr>
+          </a:lnRef>
+          <a:fillRef idx="1">
+            <a:schemeClr val="accent1"/>
+          </a:fillRef>
+          <a:effectRef idx="0">
+            <a:schemeClr val="accent1"/>
+          </a:effectRef>
+          <a:fontRef idx="minor">
+            <a:schemeClr val="lt1"/>
+          </a:fontRef>
+        </p:style>
+        <p:txBody>
+          <a:bodyPr rtlCol="0" anchor="ctr"/>
+          <a:lstStyle/>
+          <a:p>
+            <a:pPr algn="ctr"/>
+            <a:r>
+              <a:rPr lang="en-PH" sz="2400" dirty="0">
+                <a:solidFill>
+                  <a:schemeClr val="tx1"/>
+                </a:solidFill>
+              </a:rPr>
+              <a:t>XXXX</a:t>
+            </a:r>
+          </a:p>
+        </p:txBody>
+      </p:sp>
+      <p:sp>
+        <p:nvSpPr>
+          <p:cNvPr id="8" name="Rectangle 7">
+            <a:extLst>
+              <a:ext uri="{FF2B5EF4-FFF2-40B4-BE49-F238E27FC236}">
+                <a16:creationId xmlns:a16="http://schemas.microsoft.com/office/drawing/2014/main" id="{CA565B0E-132A-43BD-969F-BDA47EB0DEE5}"/>
+              </a:ext>
+            </a:extLst>
+          </p:cNvPr>
+          <p:cNvSpPr/>
+          <p:nvPr/>
+        </p:nvSpPr>
+        <p:spPr>
+          <a:xfrm>
+            <a:off x="4646367" y="4044092"/>
+            <a:ext cx="2899262" cy="543568"/>
+          </a:xfrm>
+          <a:prstGeom prst="rect">
+            <a:avLst/>
+          </a:prstGeom>
+          <a:solidFill>
+            <a:srgbClr val="DB2D2D"/>
+          </a:solidFill>
+          <a:ln w="28575"/>
+        </p:spPr>
+        <p:style>
+          <a:lnRef idx="2">
+            <a:schemeClr val="accent1">
+              <a:shade val="50000"/>
+            </a:schemeClr>
+          </a:lnRef>
+          <a:fillRef idx="1">
+            <a:schemeClr val="accent1"/>
+          </a:fillRef>
+          <a:effectRef idx="0">
+            <a:schemeClr val="accent1"/>
+          </a:effectRef>
+          <a:fontRef idx="minor">
+            <a:schemeClr val="lt1"/>
+          </a:fontRef>
+        </p:style>
+        <p:txBody>
+          <a:bodyPr rtlCol="0" anchor="ctr"/>
+          <a:lstStyle/>
+          <a:p>
+            <a:pPr algn="ctr"/>
+            <a:r>
+              <a:rPr lang="en-PH" sz="2000" dirty="0">
+                <a:solidFill>
+                  <a:schemeClr val="bg1"/>
+                </a:solidFill>
+              </a:rPr>
+              <a:t>VERIFY</a:t>
+            </a:r>
+          </a:p>
+        </p:txBody>
+      </p:sp>
+      <p:sp>
+        <p:nvSpPr>
+          <p:cNvPr id="9" name="Rectangle 8">
+            <a:extLst>
+              <a:ext uri="{FF2B5EF4-FFF2-40B4-BE49-F238E27FC236}">
+                <a16:creationId xmlns:a16="http://schemas.microsoft.com/office/drawing/2014/main" id="{553721C1-8DE8-4AAA-98E2-CB99DEA80571}"/>
+              </a:ext>
+            </a:extLst>
+          </p:cNvPr>
+          <p:cNvSpPr/>
+          <p:nvPr/>
+        </p:nvSpPr>
+        <p:spPr>
+          <a:xfrm>
+            <a:off x="5311799" y="1144332"/>
+            <a:ext cx="1568401" cy="1568401"/>
+          </a:xfrm>
+          <a:prstGeom prst="rect">
+            <a:avLst/>
+          </a:prstGeom>
+          <a:noFill/>
+        </p:spPr>
+        <p:style>
+          <a:lnRef idx="2">
+            <a:schemeClr val="accent1">
+              <a:shade val="50000"/>
+            </a:schemeClr>
+          </a:lnRef>
+          <a:fillRef idx="1">
+            <a:schemeClr val="accent1"/>
+          </a:fillRef>
+          <a:effectRef idx="0">
+            <a:schemeClr val="accent1"/>
+          </a:effectRef>
+          <a:fontRef idx="minor">
+            <a:schemeClr val="lt1"/>
+          </a:fontRef>
+        </p:style>
+        <p:txBody>
+          <a:bodyPr rtlCol="0" anchor="ctr"/>
+          <a:lstStyle/>
+          <a:p>
+            <a:pPr algn="ctr"/>
+            <a:endParaRPr lang="en-PH"/>
+          </a:p>
+        </p:txBody>
+      </p:sp>
+      <p:sp>
+        <p:nvSpPr>
+          <p:cNvPr id="10" name="TextBox 9">
+            <a:extLst>
+              <a:ext uri="{FF2B5EF4-FFF2-40B4-BE49-F238E27FC236}">
+                <a16:creationId xmlns:a16="http://schemas.microsoft.com/office/drawing/2014/main" id="{ED453195-E9BA-460E-9487-57A97538EDA2}"/>
+              </a:ext>
+            </a:extLst>
+          </p:cNvPr>
+          <p:cNvSpPr txBox="1"/>
+          <p:nvPr/>
+        </p:nvSpPr>
+        <p:spPr>
+          <a:xfrm>
+            <a:off x="5002429" y="5049671"/>
+            <a:ext cx="2187137" cy="400110"/>
+          </a:xfrm>
+          <a:prstGeom prst="rect">
+            <a:avLst/>
+          </a:prstGeom>
+          <a:noFill/>
+        </p:spPr>
+        <p:txBody>
+          <a:bodyPr wrap="none" rtlCol="0">
+            <a:spAutoFit/>
+          </a:bodyPr>
+          <a:lstStyle/>
+          <a:p>
+            <a:r>
+              <a:rPr lang="en-PH" sz="2000" dirty="0">
+                <a:solidFill>
+                  <a:schemeClr val="tx1">
+                    <a:lumMod val="75000"/>
+                    <a:lumOff val="25000"/>
+                  </a:schemeClr>
+                </a:solidFill>
+              </a:rPr>
+              <a:t>© Baby Shark 2018</a:t>
+            </a:r>
+          </a:p>
+        </p:txBody>
+      </p:sp>
+      <p:cxnSp>
+        <p:nvCxnSpPr>
+          <p:cNvPr id="11" name="Straight Arrow Connector 10">
+            <a:extLst>
+              <a:ext uri="{FF2B5EF4-FFF2-40B4-BE49-F238E27FC236}">
+                <a16:creationId xmlns:a16="http://schemas.microsoft.com/office/drawing/2014/main" id="{75CC988C-7B3B-4A68-BE2C-799CDACFA80D}"/>
+              </a:ext>
+            </a:extLst>
+          </p:cNvPr>
+          <p:cNvCxnSpPr>
+            <a:cxnSpLocks/>
+          </p:cNvCxnSpPr>
+          <p:nvPr/>
+        </p:nvCxnSpPr>
+        <p:spPr>
+          <a:xfrm>
+            <a:off x="7545629" y="4326340"/>
+            <a:ext cx="943278" cy="0"/>
+          </a:xfrm>
+          <a:prstGeom prst="straightConnector1">
+            <a:avLst/>
+          </a:prstGeom>
+          <a:ln w="38100">
+            <a:solidFill>
+              <a:schemeClr val="tx1"/>
+            </a:solidFill>
+            <a:tailEnd type="triangle"/>
+          </a:ln>
+        </p:spPr>
+        <p:style>
+          <a:lnRef idx="1">
+            <a:schemeClr val="accent1"/>
+          </a:lnRef>
+          <a:fillRef idx="0">
+            <a:schemeClr val="accent1"/>
+          </a:fillRef>
+          <a:effectRef idx="0">
+            <a:schemeClr val="accent1"/>
+          </a:effectRef>
+          <a:fontRef idx="minor">
+            <a:schemeClr val="tx1"/>
+          </a:fontRef>
+        </p:style>
+      </p:cxnSp>
+      <p:sp>
+        <p:nvSpPr>
+          <p:cNvPr id="12" name="TextBox 11">
+            <a:extLst>
+              <a:ext uri="{FF2B5EF4-FFF2-40B4-BE49-F238E27FC236}">
+                <a16:creationId xmlns:a16="http://schemas.microsoft.com/office/drawing/2014/main" id="{12BD105F-0151-4D23-B00B-A536D226DE42}"/>
+              </a:ext>
+            </a:extLst>
+          </p:cNvPr>
+          <p:cNvSpPr txBox="1"/>
+          <p:nvPr/>
+        </p:nvSpPr>
+        <p:spPr>
+          <a:xfrm>
+            <a:off x="8488907" y="4131210"/>
+            <a:ext cx="1379545" cy="369332"/>
+          </a:xfrm>
+          <a:prstGeom prst="rect">
+            <a:avLst/>
+          </a:prstGeom>
+          <a:noFill/>
+        </p:spPr>
+        <p:txBody>
+          <a:bodyPr wrap="none" rtlCol="0">
+            <a:spAutoFit/>
+          </a:bodyPr>
+          <a:lstStyle/>
+          <a:p>
+            <a:r>
+              <a:rPr lang="en-PH" dirty="0"/>
+              <a:t>Go to page 3</a:t>
+            </a:r>
+          </a:p>
+        </p:txBody>
+      </p:sp>
+    </p:spTree>
+    <p:extLst>
+      <p:ext uri="{BB962C8B-B14F-4D97-AF65-F5344CB8AC3E}">
+        <p14:creationId xmlns:p14="http://schemas.microsoft.com/office/powerpoint/2010/main" val="1529714706"/>
+      </p:ext>
+    </p:extLst>
+  </p:cSld>
+  <p:clrMapOvr>
+    <a:masterClrMapping/>
+  </p:clrMapOvr>
+</p:sld>
+</file>
+
+<file path=ppt/slides/slide6.xml><?xml version="1.0" encoding="utf-8"?>
+<p:sld xmlns:a="http://schemas.openxmlformats.org/drawingml/2006/main" xmlns:r="http://schemas.openxmlformats.org/officeDocument/2006/relationships" xmlns:p="http://schemas.openxmlformats.org/presentationml/2006/main">
+  <p:cSld>
+    <p:spTree>
+      <p:nvGrpSpPr>
+        <p:cNvPr id="1" name=""/>
+        <p:cNvGrpSpPr/>
+        <p:nvPr/>
+      </p:nvGrpSpPr>
+      <p:grpSpPr>
+        <a:xfrm>
+          <a:off x="0" y="0"/>
+          <a:ext cx="0" cy="0"/>
+          <a:chOff x="0" y="0"/>
+          <a:chExt cx="0" cy="0"/>
+        </a:xfrm>
+      </p:grpSpPr>
+      <p:sp>
+        <p:nvSpPr>
+          <p:cNvPr id="4" name="TextBox 3">
+            <a:extLst>
+              <a:ext uri="{FF2B5EF4-FFF2-40B4-BE49-F238E27FC236}">
+                <a16:creationId xmlns:a16="http://schemas.microsoft.com/office/drawing/2014/main" id="{BD61D009-0AB0-46D9-9275-890A3B3EEC0D}"/>
+              </a:ext>
+            </a:extLst>
+          </p:cNvPr>
+          <p:cNvSpPr txBox="1"/>
+          <p:nvPr/>
+        </p:nvSpPr>
+        <p:spPr>
+          <a:xfrm>
+            <a:off x="0" y="0"/>
+            <a:ext cx="910827" cy="369332"/>
+          </a:xfrm>
+          <a:prstGeom prst="rect">
+            <a:avLst/>
+          </a:prstGeom>
+          <a:noFill/>
+        </p:spPr>
+        <p:txBody>
+          <a:bodyPr wrap="none" rtlCol="0">
+            <a:spAutoFit/>
+          </a:bodyPr>
+          <a:lstStyle/>
+          <a:p>
+            <a:r>
+              <a:rPr lang="en-PH" dirty="0"/>
+              <a:t>3 - User</a:t>
+            </a:r>
+          </a:p>
+        </p:txBody>
+      </p:sp>
+      <p:sp>
+        <p:nvSpPr>
+          <p:cNvPr id="5" name="Rectangle 4">
+            <a:extLst>
+              <a:ext uri="{FF2B5EF4-FFF2-40B4-BE49-F238E27FC236}">
+                <a16:creationId xmlns:a16="http://schemas.microsoft.com/office/drawing/2014/main" id="{CDD80CE9-C694-4811-BAC6-759B0F389057}"/>
+              </a:ext>
+            </a:extLst>
+          </p:cNvPr>
+          <p:cNvSpPr/>
+          <p:nvPr/>
+        </p:nvSpPr>
+        <p:spPr>
+          <a:xfrm>
+            <a:off x="1610439" y="887104"/>
+            <a:ext cx="1440000" cy="1440000"/>
+          </a:xfrm>
+          <a:prstGeom prst="rect">
+            <a:avLst/>
+          </a:prstGeom>
+        </p:spPr>
+        <p:style>
+          <a:lnRef idx="2">
+            <a:schemeClr val="accent1">
+              <a:shade val="50000"/>
+            </a:schemeClr>
+          </a:lnRef>
+          <a:fillRef idx="1">
+            <a:schemeClr val="accent1"/>
+          </a:fillRef>
+          <a:effectRef idx="0">
+            <a:schemeClr val="accent1"/>
+          </a:effectRef>
+          <a:fontRef idx="minor">
+            <a:schemeClr val="lt1"/>
+          </a:fontRef>
+        </p:style>
+        <p:txBody>
+          <a:bodyPr rtlCol="0" anchor="ctr"/>
+          <a:lstStyle/>
+          <a:p>
+            <a:pPr algn="ctr"/>
+            <a:r>
+              <a:rPr lang="en-PH" dirty="0"/>
+              <a:t>Cat 1</a:t>
+            </a:r>
+          </a:p>
+        </p:txBody>
+      </p:sp>
+      <p:sp>
+        <p:nvSpPr>
+          <p:cNvPr id="6" name="Rectangle 5">
+            <a:extLst>
+              <a:ext uri="{FF2B5EF4-FFF2-40B4-BE49-F238E27FC236}">
+                <a16:creationId xmlns:a16="http://schemas.microsoft.com/office/drawing/2014/main" id="{D83819DE-F89B-43FC-967A-3F86E1AA0E8A}"/>
+              </a:ext>
+            </a:extLst>
+          </p:cNvPr>
+          <p:cNvSpPr/>
+          <p:nvPr/>
+        </p:nvSpPr>
+        <p:spPr>
+          <a:xfrm>
+            <a:off x="3482457" y="887104"/>
+            <a:ext cx="1440000" cy="1440000"/>
+          </a:xfrm>
+          <a:prstGeom prst="rect">
+            <a:avLst/>
+          </a:prstGeom>
+        </p:spPr>
+        <p:style>
+          <a:lnRef idx="2">
+            <a:schemeClr val="accent1">
+              <a:shade val="50000"/>
+            </a:schemeClr>
+          </a:lnRef>
+          <a:fillRef idx="1">
+            <a:schemeClr val="accent1"/>
+          </a:fillRef>
+          <a:effectRef idx="0">
+            <a:schemeClr val="accent1"/>
+          </a:effectRef>
+          <a:fontRef idx="minor">
+            <a:schemeClr val="lt1"/>
+          </a:fontRef>
+        </p:style>
+        <p:txBody>
+          <a:bodyPr rtlCol="0" anchor="ctr"/>
+          <a:lstStyle/>
+          <a:p>
+            <a:pPr algn="ctr"/>
+            <a:r>
+              <a:rPr lang="en-PH" dirty="0"/>
+              <a:t>Cat 2</a:t>
+            </a:r>
+          </a:p>
+        </p:txBody>
+      </p:sp>
+      <p:sp>
+        <p:nvSpPr>
+          <p:cNvPr id="7" name="Rectangle 6">
+            <a:extLst>
+              <a:ext uri="{FF2B5EF4-FFF2-40B4-BE49-F238E27FC236}">
+                <a16:creationId xmlns:a16="http://schemas.microsoft.com/office/drawing/2014/main" id="{562A0CCD-3BC8-4863-8F3A-49557FFC7861}"/>
+              </a:ext>
+            </a:extLst>
+          </p:cNvPr>
+          <p:cNvSpPr/>
+          <p:nvPr/>
+        </p:nvSpPr>
+        <p:spPr>
+          <a:xfrm>
+            <a:off x="5362436" y="887104"/>
+            <a:ext cx="1440000" cy="1440000"/>
+          </a:xfrm>
+          <a:prstGeom prst="rect">
+            <a:avLst/>
+          </a:prstGeom>
+        </p:spPr>
+        <p:style>
+          <a:lnRef idx="2">
+            <a:schemeClr val="accent1">
+              <a:shade val="50000"/>
+            </a:schemeClr>
+          </a:lnRef>
+          <a:fillRef idx="1">
+            <a:schemeClr val="accent1"/>
+          </a:fillRef>
+          <a:effectRef idx="0">
+            <a:schemeClr val="accent1"/>
+          </a:effectRef>
+          <a:fontRef idx="minor">
+            <a:schemeClr val="lt1"/>
+          </a:fontRef>
+        </p:style>
+        <p:txBody>
+          <a:bodyPr rtlCol="0" anchor="ctr"/>
+          <a:lstStyle/>
+          <a:p>
+            <a:pPr algn="ctr"/>
+            <a:r>
+              <a:rPr lang="en-PH" dirty="0"/>
+              <a:t>Cat 3</a:t>
+            </a:r>
+          </a:p>
+        </p:txBody>
+      </p:sp>
+      <p:sp>
+        <p:nvSpPr>
+          <p:cNvPr id="8" name="Rectangle 7">
+            <a:extLst>
+              <a:ext uri="{FF2B5EF4-FFF2-40B4-BE49-F238E27FC236}">
+                <a16:creationId xmlns:a16="http://schemas.microsoft.com/office/drawing/2014/main" id="{DF610FBC-D01A-4868-871B-1304F53617AD}"/>
+              </a:ext>
+            </a:extLst>
+          </p:cNvPr>
+          <p:cNvSpPr/>
+          <p:nvPr/>
+        </p:nvSpPr>
+        <p:spPr>
+          <a:xfrm>
+            <a:off x="7242415" y="887104"/>
+            <a:ext cx="1440000" cy="1440000"/>
+          </a:xfrm>
+          <a:prstGeom prst="rect">
+            <a:avLst/>
+          </a:prstGeom>
+        </p:spPr>
+        <p:style>
+          <a:lnRef idx="2">
+            <a:schemeClr val="accent1">
+              <a:shade val="50000"/>
+            </a:schemeClr>
+          </a:lnRef>
+          <a:fillRef idx="1">
+            <a:schemeClr val="accent1"/>
+          </a:fillRef>
+          <a:effectRef idx="0">
+            <a:schemeClr val="accent1"/>
+          </a:effectRef>
+          <a:fontRef idx="minor">
+            <a:schemeClr val="lt1"/>
+          </a:fontRef>
+        </p:style>
+        <p:txBody>
+          <a:bodyPr rtlCol="0" anchor="ctr"/>
+          <a:lstStyle/>
+          <a:p>
+            <a:pPr algn="ctr"/>
+            <a:r>
+              <a:rPr lang="en-PH" dirty="0"/>
+              <a:t>Cat 4</a:t>
+            </a:r>
+          </a:p>
+        </p:txBody>
+      </p:sp>
+      <p:sp>
+        <p:nvSpPr>
+          <p:cNvPr id="9" name="Rectangle 8">
+            <a:extLst>
+              <a:ext uri="{FF2B5EF4-FFF2-40B4-BE49-F238E27FC236}">
+                <a16:creationId xmlns:a16="http://schemas.microsoft.com/office/drawing/2014/main" id="{7C43FA6B-DB66-4DCE-BDD5-E4D30E78D9A4}"/>
+              </a:ext>
+            </a:extLst>
+          </p:cNvPr>
+          <p:cNvSpPr/>
+          <p:nvPr/>
+        </p:nvSpPr>
+        <p:spPr>
+          <a:xfrm>
+            <a:off x="9122394" y="887104"/>
+            <a:ext cx="1440000" cy="1440000"/>
+          </a:xfrm>
+          <a:prstGeom prst="rect">
+            <a:avLst/>
+          </a:prstGeom>
+        </p:spPr>
+        <p:style>
+          <a:lnRef idx="2">
+            <a:schemeClr val="accent1">
+              <a:shade val="50000"/>
+            </a:schemeClr>
+          </a:lnRef>
+          <a:fillRef idx="1">
+            <a:schemeClr val="accent1"/>
+          </a:fillRef>
+          <a:effectRef idx="0">
+            <a:schemeClr val="accent1"/>
+          </a:effectRef>
+          <a:fontRef idx="minor">
+            <a:schemeClr val="lt1"/>
+          </a:fontRef>
+        </p:style>
+        <p:txBody>
+          <a:bodyPr rtlCol="0" anchor="ctr"/>
+          <a:lstStyle/>
+          <a:p>
+            <a:pPr algn="ctr"/>
+            <a:r>
+              <a:rPr lang="en-PH" dirty="0"/>
+              <a:t>Cat 5</a:t>
+            </a:r>
+          </a:p>
+        </p:txBody>
+      </p:sp>
+      <p:sp>
+        <p:nvSpPr>
+          <p:cNvPr id="10" name="Rectangle 9">
+            <a:extLst>
+              <a:ext uri="{FF2B5EF4-FFF2-40B4-BE49-F238E27FC236}">
+                <a16:creationId xmlns:a16="http://schemas.microsoft.com/office/drawing/2014/main" id="{CA601E51-3E1B-45C8-A934-D50B43DD24DC}"/>
+              </a:ext>
+            </a:extLst>
+          </p:cNvPr>
+          <p:cNvSpPr/>
+          <p:nvPr/>
+        </p:nvSpPr>
+        <p:spPr>
+          <a:xfrm>
+            <a:off x="1610439" y="2709000"/>
+            <a:ext cx="1440000" cy="1440000"/>
+          </a:xfrm>
+          <a:prstGeom prst="rect">
+            <a:avLst/>
+          </a:prstGeom>
+        </p:spPr>
+        <p:style>
+          <a:lnRef idx="2">
+            <a:schemeClr val="accent1">
+              <a:shade val="50000"/>
+            </a:schemeClr>
+          </a:lnRef>
+          <a:fillRef idx="1">
+            <a:schemeClr val="accent1"/>
+          </a:fillRef>
+          <a:effectRef idx="0">
+            <a:schemeClr val="accent1"/>
+          </a:effectRef>
+          <a:fontRef idx="minor">
+            <a:schemeClr val="lt1"/>
+          </a:fontRef>
+        </p:style>
+        <p:txBody>
+          <a:bodyPr rtlCol="0" anchor="ctr"/>
+          <a:lstStyle/>
+          <a:p>
+            <a:pPr algn="ctr"/>
+            <a:r>
+              <a:rPr lang="en-PH" dirty="0"/>
+              <a:t>Cat 6</a:t>
+            </a:r>
+          </a:p>
+        </p:txBody>
+      </p:sp>
+      <p:sp>
+        <p:nvSpPr>
+          <p:cNvPr id="11" name="Rectangle 10">
+            <a:extLst>
+              <a:ext uri="{FF2B5EF4-FFF2-40B4-BE49-F238E27FC236}">
+                <a16:creationId xmlns:a16="http://schemas.microsoft.com/office/drawing/2014/main" id="{6BBBE8C4-8155-48D8-9C58-1A5589A1AD63}"/>
+              </a:ext>
+            </a:extLst>
+          </p:cNvPr>
+          <p:cNvSpPr/>
+          <p:nvPr/>
+        </p:nvSpPr>
+        <p:spPr>
+          <a:xfrm>
+            <a:off x="3482457" y="2709000"/>
+            <a:ext cx="1440000" cy="1440000"/>
+          </a:xfrm>
+          <a:prstGeom prst="rect">
+            <a:avLst/>
+          </a:prstGeom>
+        </p:spPr>
+        <p:style>
+          <a:lnRef idx="2">
+            <a:schemeClr val="accent1">
+              <a:shade val="50000"/>
+            </a:schemeClr>
+          </a:lnRef>
+          <a:fillRef idx="1">
+            <a:schemeClr val="accent1"/>
+          </a:fillRef>
+          <a:effectRef idx="0">
+            <a:schemeClr val="accent1"/>
+          </a:effectRef>
+          <a:fontRef idx="minor">
+            <a:schemeClr val="lt1"/>
+          </a:fontRef>
+        </p:style>
+        <p:txBody>
+          <a:bodyPr rtlCol="0" anchor="ctr"/>
+          <a:lstStyle/>
+          <a:p>
+            <a:pPr algn="ctr"/>
+            <a:r>
+              <a:rPr lang="en-PH" dirty="0"/>
+              <a:t>Cat 7</a:t>
+            </a:r>
+          </a:p>
+        </p:txBody>
+      </p:sp>
+      <p:sp>
+        <p:nvSpPr>
+          <p:cNvPr id="2" name="Rectangle 1">
+            <a:extLst>
+              <a:ext uri="{FF2B5EF4-FFF2-40B4-BE49-F238E27FC236}">
+                <a16:creationId xmlns:a16="http://schemas.microsoft.com/office/drawing/2014/main" id="{FCBBBF05-70AA-4DF7-8030-EA32316DAEE4}"/>
+              </a:ext>
+            </a:extLst>
+          </p:cNvPr>
+          <p:cNvSpPr/>
+          <p:nvPr/>
+        </p:nvSpPr>
+        <p:spPr>
+          <a:xfrm>
+            <a:off x="-13648" y="-13648"/>
+            <a:ext cx="12205648" cy="369332"/>
+          </a:xfrm>
+          <a:prstGeom prst="rect">
+            <a:avLst/>
+          </a:prstGeom>
+          <a:solidFill>
+            <a:srgbClr val="DB2D2D"/>
+          </a:solidFill>
+        </p:spPr>
+        <p:style>
+          <a:lnRef idx="2">
+            <a:schemeClr val="accent1">
+              <a:shade val="50000"/>
+            </a:schemeClr>
+          </a:lnRef>
+          <a:fillRef idx="1">
+            <a:schemeClr val="accent1"/>
+          </a:fillRef>
+          <a:effectRef idx="0">
+            <a:schemeClr val="accent1"/>
+          </a:effectRef>
+          <a:fontRef idx="minor">
+            <a:schemeClr val="lt1"/>
+          </a:fontRef>
+        </p:style>
+        <p:txBody>
+          <a:bodyPr rtlCol="0" anchor="ctr"/>
+          <a:lstStyle/>
+          <a:p>
             <a:pPr algn="ctr"/>
             <a:endParaRPr lang="en-PH" dirty="0"/>
           </a:p>
@@ -5494,10 +6597,61 @@
       </p:sp>
       <p:sp>
         <p:nvSpPr>
-          <p:cNvPr id="8" name="TextBox 7">
-            <a:extLst>
-              <a:ext uri="{FF2B5EF4-FFF2-40B4-BE49-F238E27FC236}">
-                <a16:creationId xmlns:a16="http://schemas.microsoft.com/office/drawing/2014/main" id="{AAF91E67-16CE-4508-BF09-B1B8F17E3CEF}"/>
+          <p:cNvPr id="15" name="Rectangle 14">
+            <a:extLst>
+              <a:ext uri="{FF2B5EF4-FFF2-40B4-BE49-F238E27FC236}">
+                <a16:creationId xmlns:a16="http://schemas.microsoft.com/office/drawing/2014/main" id="{2C5EF847-25BE-4676-B676-FB4E63B4593A}"/>
+              </a:ext>
+            </a:extLst>
+          </p:cNvPr>
+          <p:cNvSpPr/>
+          <p:nvPr/>
+        </p:nvSpPr>
+        <p:spPr>
+          <a:xfrm>
+            <a:off x="11859906" y="41364"/>
+            <a:ext cx="259307" cy="259307"/>
+          </a:xfrm>
+          <a:prstGeom prst="rect">
+            <a:avLst/>
+          </a:prstGeom>
+          <a:solidFill>
+            <a:schemeClr val="bg1">
+              <a:lumMod val="95000"/>
+            </a:schemeClr>
+          </a:solidFill>
+        </p:spPr>
+        <p:style>
+          <a:lnRef idx="2">
+            <a:schemeClr val="accent1">
+              <a:shade val="50000"/>
+            </a:schemeClr>
+          </a:lnRef>
+          <a:fillRef idx="1">
+            <a:schemeClr val="accent1"/>
+          </a:fillRef>
+          <a:effectRef idx="0">
+            <a:schemeClr val="accent1"/>
+          </a:effectRef>
+          <a:fontRef idx="minor">
+            <a:schemeClr val="lt1"/>
+          </a:fontRef>
+        </p:style>
+        <p:txBody>
+          <a:bodyPr rtlCol="0" anchor="ctr"/>
+          <a:lstStyle/>
+          <a:p>
+            <a:pPr algn="ctr"/>
+            <a:endParaRPr lang="en-PH"/>
+          </a:p>
+        </p:txBody>
+      </p:sp>
+      <p:sp>
+        <p:nvSpPr>
+          <p:cNvPr id="16" name="TextBox 15">
+            <a:extLst>
+              <a:ext uri="{FF2B5EF4-FFF2-40B4-BE49-F238E27FC236}">
+                <a16:creationId xmlns:a16="http://schemas.microsoft.com/office/drawing/2014/main" id="{95FC3E47-51D4-455E-A1F9-DE8BD95B19F5}"/>
               </a:ext>
             </a:extLst>
           </p:cNvPr>
@@ -5506,8 +6660,8 @@
         </p:nvSpPr>
         <p:spPr>
           <a:xfrm>
-            <a:off x="3811174" y="5487809"/>
-            <a:ext cx="11101754" cy="1631216"/>
+            <a:off x="-1" y="0"/>
+            <a:ext cx="1214651" cy="369332"/>
           </a:xfrm>
           <a:prstGeom prst="rect">
             <a:avLst/>
@@ -5522,43 +6676,1271 @@
           <a:p>
             <a:pPr algn="ctr"/>
             <a:r>
-              <a:rPr lang="en-PH" sz="10000" spc="300" dirty="0">
+              <a:rPr lang="en-PH" b="1" dirty="0">
                 <a:solidFill>
-                  <a:srgbClr val="FF0000"/>
+                  <a:schemeClr val="bg1"/>
                 </a:solidFill>
               </a:rPr>
               <a:t>#</a:t>
             </a:r>
             <a:r>
-              <a:rPr lang="en-PH" sz="10000" spc="300" dirty="0" err="1">
+              <a:rPr lang="en-PH" b="1" dirty="0" err="1">
                 <a:solidFill>
-                  <a:srgbClr val="FFFF00"/>
+                  <a:schemeClr val="bg1"/>
                 </a:solidFill>
               </a:rPr>
-              <a:t>Ask</a:t>
-            </a:r>
-            <a:r>
-              <a:rPr lang="en-PH" sz="10000" spc="300" dirty="0" err="1">
+              <a:t>AskJuan</a:t>
+            </a:r>
+            <a:endParaRPr lang="en-PH" b="1" dirty="0">
+              <a:solidFill>
+                <a:schemeClr val="bg1"/>
+              </a:solidFill>
+            </a:endParaRPr>
+          </a:p>
+        </p:txBody>
+      </p:sp>
+      <p:sp>
+        <p:nvSpPr>
+          <p:cNvPr id="17" name="TextBox 16">
+            <a:extLst>
+              <a:ext uri="{FF2B5EF4-FFF2-40B4-BE49-F238E27FC236}">
+                <a16:creationId xmlns:a16="http://schemas.microsoft.com/office/drawing/2014/main" id="{ACFEEEF8-DEB9-402E-A631-132BB2962321}"/>
+              </a:ext>
+            </a:extLst>
+          </p:cNvPr>
+          <p:cNvSpPr txBox="1"/>
+          <p:nvPr/>
+        </p:nvSpPr>
+        <p:spPr>
+          <a:xfrm>
+            <a:off x="-13648" y="6488668"/>
+            <a:ext cx="301686" cy="369332"/>
+          </a:xfrm>
+          <a:prstGeom prst="rect">
+            <a:avLst/>
+          </a:prstGeom>
+          <a:noFill/>
+        </p:spPr>
+        <p:txBody>
+          <a:bodyPr wrap="none" rtlCol="0">
+            <a:spAutoFit/>
+          </a:bodyPr>
+          <a:lstStyle/>
+          <a:p>
+            <a:r>
+              <a:rPr lang="en-PH" dirty="0"/>
+              <a:t>3</a:t>
+            </a:r>
+          </a:p>
+        </p:txBody>
+      </p:sp>
+      <p:sp>
+        <p:nvSpPr>
+          <p:cNvPr id="19" name="TextBox 18">
+            <a:extLst>
+              <a:ext uri="{FF2B5EF4-FFF2-40B4-BE49-F238E27FC236}">
+                <a16:creationId xmlns:a16="http://schemas.microsoft.com/office/drawing/2014/main" id="{DAE7FD34-ED49-4C19-92BF-EAA8BCEF9B1F}"/>
+              </a:ext>
+            </a:extLst>
+          </p:cNvPr>
+          <p:cNvSpPr txBox="1"/>
+          <p:nvPr/>
+        </p:nvSpPr>
+        <p:spPr>
+          <a:xfrm>
+            <a:off x="6558887" y="4315683"/>
+            <a:ext cx="3930556" cy="830997"/>
+          </a:xfrm>
+          <a:prstGeom prst="rect">
+            <a:avLst/>
+          </a:prstGeom>
+          <a:noFill/>
+        </p:spPr>
+        <p:txBody>
+          <a:bodyPr wrap="square" rtlCol="0">
+            <a:spAutoFit/>
+          </a:bodyPr>
+          <a:lstStyle/>
+          <a:p>
+            <a:r>
+              <a:rPr lang="en-PH" sz="2400" dirty="0"/>
+              <a:t>Select a category to go to</a:t>
+            </a:r>
+          </a:p>
+          <a:p>
+            <a:r>
+              <a:rPr lang="en-PH" sz="2400" dirty="0"/>
+              <a:t>their own page 4</a:t>
+            </a:r>
+          </a:p>
+        </p:txBody>
+      </p:sp>
+    </p:spTree>
+    <p:extLst>
+      <p:ext uri="{BB962C8B-B14F-4D97-AF65-F5344CB8AC3E}">
+        <p14:creationId xmlns:p14="http://schemas.microsoft.com/office/powerpoint/2010/main" val="2760054482"/>
+      </p:ext>
+    </p:extLst>
+  </p:cSld>
+  <p:clrMapOvr>
+    <a:masterClrMapping/>
+  </p:clrMapOvr>
+</p:sld>
+</file>
+
+<file path=ppt/slides/slide7.xml><?xml version="1.0" encoding="utf-8"?>
+<p:sld xmlns:a="http://schemas.openxmlformats.org/drawingml/2006/main" xmlns:r="http://schemas.openxmlformats.org/officeDocument/2006/relationships" xmlns:p="http://schemas.openxmlformats.org/presentationml/2006/main">
+  <p:cSld>
+    <p:spTree>
+      <p:nvGrpSpPr>
+        <p:cNvPr id="1" name=""/>
+        <p:cNvGrpSpPr/>
+        <p:nvPr/>
+      </p:nvGrpSpPr>
+      <p:grpSpPr>
+        <a:xfrm>
+          <a:off x="0" y="0"/>
+          <a:ext cx="0" cy="0"/>
+          <a:chOff x="0" y="0"/>
+          <a:chExt cx="0" cy="0"/>
+        </a:xfrm>
+      </p:grpSpPr>
+      <p:sp>
+        <p:nvSpPr>
+          <p:cNvPr id="4" name="TextBox 3">
+            <a:extLst>
+              <a:ext uri="{FF2B5EF4-FFF2-40B4-BE49-F238E27FC236}">
+                <a16:creationId xmlns:a16="http://schemas.microsoft.com/office/drawing/2014/main" id="{F4E826E3-7961-4969-87D1-1244CE1E061E}"/>
+              </a:ext>
+            </a:extLst>
+          </p:cNvPr>
+          <p:cNvSpPr txBox="1"/>
+          <p:nvPr/>
+        </p:nvSpPr>
+        <p:spPr>
+          <a:xfrm>
+            <a:off x="0" y="6488668"/>
+            <a:ext cx="301686" cy="369332"/>
+          </a:xfrm>
+          <a:prstGeom prst="rect">
+            <a:avLst/>
+          </a:prstGeom>
+          <a:noFill/>
+        </p:spPr>
+        <p:txBody>
+          <a:bodyPr wrap="none" rtlCol="0">
+            <a:spAutoFit/>
+          </a:bodyPr>
+          <a:lstStyle/>
+          <a:p>
+            <a:r>
+              <a:rPr lang="en-PH" dirty="0"/>
+              <a:t>4</a:t>
+            </a:r>
+          </a:p>
+        </p:txBody>
+      </p:sp>
+      <p:sp>
+        <p:nvSpPr>
+          <p:cNvPr id="5" name="Rectangle 4">
+            <a:extLst>
+              <a:ext uri="{FF2B5EF4-FFF2-40B4-BE49-F238E27FC236}">
+                <a16:creationId xmlns:a16="http://schemas.microsoft.com/office/drawing/2014/main" id="{1872670E-603E-4F52-A9FE-D2DEF7516337}"/>
+              </a:ext>
+            </a:extLst>
+          </p:cNvPr>
+          <p:cNvSpPr/>
+          <p:nvPr/>
+        </p:nvSpPr>
+        <p:spPr>
+          <a:xfrm>
+            <a:off x="-13648" y="-13648"/>
+            <a:ext cx="12205648" cy="369332"/>
+          </a:xfrm>
+          <a:prstGeom prst="rect">
+            <a:avLst/>
+          </a:prstGeom>
+          <a:solidFill>
+            <a:srgbClr val="DB2D2D"/>
+          </a:solidFill>
+        </p:spPr>
+        <p:style>
+          <a:lnRef idx="2">
+            <a:schemeClr val="accent1">
+              <a:shade val="50000"/>
+            </a:schemeClr>
+          </a:lnRef>
+          <a:fillRef idx="1">
+            <a:schemeClr val="accent1"/>
+          </a:fillRef>
+          <a:effectRef idx="0">
+            <a:schemeClr val="accent1"/>
+          </a:effectRef>
+          <a:fontRef idx="minor">
+            <a:schemeClr val="lt1"/>
+          </a:fontRef>
+        </p:style>
+        <p:txBody>
+          <a:bodyPr rtlCol="0" anchor="ctr"/>
+          <a:lstStyle/>
+          <a:p>
+            <a:pPr algn="ctr"/>
+            <a:endParaRPr lang="en-PH" dirty="0"/>
+          </a:p>
+        </p:txBody>
+      </p:sp>
+      <p:sp>
+        <p:nvSpPr>
+          <p:cNvPr id="6" name="Rectangle 5">
+            <a:extLst>
+              <a:ext uri="{FF2B5EF4-FFF2-40B4-BE49-F238E27FC236}">
+                <a16:creationId xmlns:a16="http://schemas.microsoft.com/office/drawing/2014/main" id="{A6EFEC5B-B7A8-400A-9DB0-3140BD7BE48F}"/>
+              </a:ext>
+            </a:extLst>
+          </p:cNvPr>
+          <p:cNvSpPr/>
+          <p:nvPr/>
+        </p:nvSpPr>
+        <p:spPr>
+          <a:xfrm>
+            <a:off x="11859906" y="41364"/>
+            <a:ext cx="259307" cy="259307"/>
+          </a:xfrm>
+          <a:prstGeom prst="rect">
+            <a:avLst/>
+          </a:prstGeom>
+          <a:solidFill>
+            <a:schemeClr val="bg1">
+              <a:lumMod val="95000"/>
+            </a:schemeClr>
+          </a:solidFill>
+        </p:spPr>
+        <p:style>
+          <a:lnRef idx="2">
+            <a:schemeClr val="accent1">
+              <a:shade val="50000"/>
+            </a:schemeClr>
+          </a:lnRef>
+          <a:fillRef idx="1">
+            <a:schemeClr val="accent1"/>
+          </a:fillRef>
+          <a:effectRef idx="0">
+            <a:schemeClr val="accent1"/>
+          </a:effectRef>
+          <a:fontRef idx="minor">
+            <a:schemeClr val="lt1"/>
+          </a:fontRef>
+        </p:style>
+        <p:txBody>
+          <a:bodyPr rtlCol="0" anchor="ctr"/>
+          <a:lstStyle/>
+          <a:p>
+            <a:pPr algn="ctr"/>
+            <a:endParaRPr lang="en-PH"/>
+          </a:p>
+        </p:txBody>
+      </p:sp>
+      <p:sp>
+        <p:nvSpPr>
+          <p:cNvPr id="7" name="TextBox 6">
+            <a:extLst>
+              <a:ext uri="{FF2B5EF4-FFF2-40B4-BE49-F238E27FC236}">
+                <a16:creationId xmlns:a16="http://schemas.microsoft.com/office/drawing/2014/main" id="{6AC4D44B-938C-4F45-A973-9BADB3808CB0}"/>
+              </a:ext>
+            </a:extLst>
+          </p:cNvPr>
+          <p:cNvSpPr txBox="1"/>
+          <p:nvPr/>
+        </p:nvSpPr>
+        <p:spPr>
+          <a:xfrm>
+            <a:off x="-1" y="0"/>
+            <a:ext cx="1214651" cy="369332"/>
+          </a:xfrm>
+          <a:prstGeom prst="rect">
+            <a:avLst/>
+          </a:prstGeom>
+          <a:noFill/>
+        </p:spPr>
+        <p:txBody>
+          <a:bodyPr wrap="square" rtlCol="0">
+            <a:spAutoFit/>
+          </a:bodyPr>
+          <a:lstStyle/>
+          <a:p>
+            <a:pPr algn="ctr"/>
+            <a:r>
+              <a:rPr lang="en-PH" b="1" dirty="0">
                 <a:solidFill>
-                  <a:srgbClr val="0070C0"/>
+                  <a:schemeClr val="bg1"/>
+                </a:solidFill>
+              </a:rPr>
+              <a:t>#</a:t>
+            </a:r>
+            <a:r>
+              <a:rPr lang="en-PH" b="1" dirty="0" err="1">
+                <a:solidFill>
+                  <a:schemeClr val="bg1"/>
+                </a:solidFill>
+              </a:rPr>
+              <a:t>AskJuan</a:t>
+            </a:r>
+            <a:endParaRPr lang="en-PH" b="1" dirty="0">
+              <a:solidFill>
+                <a:schemeClr val="bg1"/>
+              </a:solidFill>
+            </a:endParaRPr>
+          </a:p>
+        </p:txBody>
+      </p:sp>
+      <p:sp>
+        <p:nvSpPr>
+          <p:cNvPr id="8" name="TextBox 7">
+            <a:extLst>
+              <a:ext uri="{FF2B5EF4-FFF2-40B4-BE49-F238E27FC236}">
+                <a16:creationId xmlns:a16="http://schemas.microsoft.com/office/drawing/2014/main" id="{D22755AD-2305-441B-B4A5-017457DC8DC3}"/>
+              </a:ext>
+            </a:extLst>
+          </p:cNvPr>
+          <p:cNvSpPr txBox="1"/>
+          <p:nvPr/>
+        </p:nvSpPr>
+        <p:spPr>
+          <a:xfrm>
+            <a:off x="1214650" y="1228299"/>
+            <a:ext cx="1319144" cy="400110"/>
+          </a:xfrm>
+          <a:prstGeom prst="rect">
+            <a:avLst/>
+          </a:prstGeom>
+          <a:noFill/>
+        </p:spPr>
+        <p:txBody>
+          <a:bodyPr wrap="none" rtlCol="0">
+            <a:spAutoFit/>
+          </a:bodyPr>
+          <a:lstStyle/>
+          <a:p>
+            <a:r>
+              <a:rPr lang="en-PH" sz="2000" b="1" dirty="0"/>
+              <a:t>Category 1</a:t>
+            </a:r>
+          </a:p>
+        </p:txBody>
+      </p:sp>
+      <p:sp>
+        <p:nvSpPr>
+          <p:cNvPr id="9" name="TextBox 8">
+            <a:extLst>
+              <a:ext uri="{FF2B5EF4-FFF2-40B4-BE49-F238E27FC236}">
+                <a16:creationId xmlns:a16="http://schemas.microsoft.com/office/drawing/2014/main" id="{6EC07DCA-8CA5-4B02-B8AE-DEDEFA81DC50}"/>
+              </a:ext>
+            </a:extLst>
+          </p:cNvPr>
+          <p:cNvSpPr txBox="1"/>
+          <p:nvPr/>
+        </p:nvSpPr>
+        <p:spPr>
+          <a:xfrm>
+            <a:off x="1569492" y="1628409"/>
+            <a:ext cx="9407858" cy="369332"/>
+          </a:xfrm>
+          <a:prstGeom prst="rect">
+            <a:avLst/>
+          </a:prstGeom>
+          <a:noFill/>
+        </p:spPr>
+        <p:txBody>
+          <a:bodyPr wrap="square" rtlCol="0">
+            <a:spAutoFit/>
+          </a:bodyPr>
+          <a:lstStyle/>
+          <a:p>
+            <a:r>
+              <a:rPr lang="en-PH" dirty="0"/>
+              <a:t>Question 1</a:t>
+            </a:r>
+          </a:p>
+        </p:txBody>
+      </p:sp>
+      <p:sp>
+        <p:nvSpPr>
+          <p:cNvPr id="10" name="Oval 9">
+            <a:extLst>
+              <a:ext uri="{FF2B5EF4-FFF2-40B4-BE49-F238E27FC236}">
+                <a16:creationId xmlns:a16="http://schemas.microsoft.com/office/drawing/2014/main" id="{58444F76-BF19-483F-A29C-20FFF9A3130C}"/>
+              </a:ext>
+            </a:extLst>
+          </p:cNvPr>
+          <p:cNvSpPr/>
+          <p:nvPr/>
+        </p:nvSpPr>
+        <p:spPr>
+          <a:xfrm>
+            <a:off x="1916080" y="2138123"/>
+            <a:ext cx="150125" cy="150125"/>
+          </a:xfrm>
+          <a:prstGeom prst="ellipse">
+            <a:avLst/>
+          </a:prstGeom>
+          <a:noFill/>
+          <a:ln>
+            <a:solidFill>
+              <a:schemeClr val="tx1">
+                <a:lumMod val="95000"/>
+                <a:lumOff val="5000"/>
+              </a:schemeClr>
+            </a:solidFill>
+          </a:ln>
+        </p:spPr>
+        <p:style>
+          <a:lnRef idx="2">
+            <a:schemeClr val="accent1">
+              <a:shade val="50000"/>
+            </a:schemeClr>
+          </a:lnRef>
+          <a:fillRef idx="1">
+            <a:schemeClr val="accent1"/>
+          </a:fillRef>
+          <a:effectRef idx="0">
+            <a:schemeClr val="accent1"/>
+          </a:effectRef>
+          <a:fontRef idx="minor">
+            <a:schemeClr val="lt1"/>
+          </a:fontRef>
+        </p:style>
+        <p:txBody>
+          <a:bodyPr rtlCol="0" anchor="ctr"/>
+          <a:lstStyle/>
+          <a:p>
+            <a:pPr algn="ctr"/>
+            <a:endParaRPr lang="en-PH"/>
+          </a:p>
+        </p:txBody>
+      </p:sp>
+      <p:sp>
+        <p:nvSpPr>
+          <p:cNvPr id="11" name="Oval 10">
+            <a:extLst>
+              <a:ext uri="{FF2B5EF4-FFF2-40B4-BE49-F238E27FC236}">
+                <a16:creationId xmlns:a16="http://schemas.microsoft.com/office/drawing/2014/main" id="{ADA80FDB-778A-4321-8E73-CEABEEB8AF69}"/>
+              </a:ext>
+            </a:extLst>
+          </p:cNvPr>
+          <p:cNvSpPr/>
+          <p:nvPr/>
+        </p:nvSpPr>
+        <p:spPr>
+          <a:xfrm>
+            <a:off x="1916079" y="2537391"/>
+            <a:ext cx="150125" cy="150125"/>
+          </a:xfrm>
+          <a:prstGeom prst="ellipse">
+            <a:avLst/>
+          </a:prstGeom>
+          <a:noFill/>
+          <a:ln>
+            <a:solidFill>
+              <a:schemeClr val="tx1">
+                <a:lumMod val="95000"/>
+                <a:lumOff val="5000"/>
+              </a:schemeClr>
+            </a:solidFill>
+          </a:ln>
+        </p:spPr>
+        <p:style>
+          <a:lnRef idx="2">
+            <a:schemeClr val="accent1">
+              <a:shade val="50000"/>
+            </a:schemeClr>
+          </a:lnRef>
+          <a:fillRef idx="1">
+            <a:schemeClr val="accent1"/>
+          </a:fillRef>
+          <a:effectRef idx="0">
+            <a:schemeClr val="accent1"/>
+          </a:effectRef>
+          <a:fontRef idx="minor">
+            <a:schemeClr val="lt1"/>
+          </a:fontRef>
+        </p:style>
+        <p:txBody>
+          <a:bodyPr rtlCol="0" anchor="ctr"/>
+          <a:lstStyle/>
+          <a:p>
+            <a:pPr algn="ctr"/>
+            <a:endParaRPr lang="en-PH"/>
+          </a:p>
+        </p:txBody>
+      </p:sp>
+      <p:sp>
+        <p:nvSpPr>
+          <p:cNvPr id="12" name="TextBox 11">
+            <a:extLst>
+              <a:ext uri="{FF2B5EF4-FFF2-40B4-BE49-F238E27FC236}">
+                <a16:creationId xmlns:a16="http://schemas.microsoft.com/office/drawing/2014/main" id="{D0F038A8-67DB-4D7F-9D20-4E4D0178F49F}"/>
+              </a:ext>
+            </a:extLst>
+          </p:cNvPr>
+          <p:cNvSpPr txBox="1"/>
+          <p:nvPr/>
+        </p:nvSpPr>
+        <p:spPr>
+          <a:xfrm>
+            <a:off x="2220809" y="2028519"/>
+            <a:ext cx="485518" cy="369332"/>
+          </a:xfrm>
+          <a:prstGeom prst="rect">
+            <a:avLst/>
+          </a:prstGeom>
+          <a:noFill/>
+        </p:spPr>
+        <p:txBody>
+          <a:bodyPr wrap="none" rtlCol="0">
+            <a:spAutoFit/>
+          </a:bodyPr>
+          <a:lstStyle/>
+          <a:p>
+            <a:r>
+              <a:rPr lang="en-PH" dirty="0"/>
+              <a:t>Yes</a:t>
+            </a:r>
+          </a:p>
+        </p:txBody>
+      </p:sp>
+      <p:sp>
+        <p:nvSpPr>
+          <p:cNvPr id="13" name="TextBox 12">
+            <a:extLst>
+              <a:ext uri="{FF2B5EF4-FFF2-40B4-BE49-F238E27FC236}">
+                <a16:creationId xmlns:a16="http://schemas.microsoft.com/office/drawing/2014/main" id="{DB41FF5D-036E-4ABB-A06D-D96D6E719625}"/>
+              </a:ext>
+            </a:extLst>
+          </p:cNvPr>
+          <p:cNvSpPr txBox="1"/>
+          <p:nvPr/>
+        </p:nvSpPr>
+        <p:spPr>
+          <a:xfrm>
+            <a:off x="2220809" y="2421860"/>
+            <a:ext cx="455574" cy="369332"/>
+          </a:xfrm>
+          <a:prstGeom prst="rect">
+            <a:avLst/>
+          </a:prstGeom>
+          <a:noFill/>
+        </p:spPr>
+        <p:txBody>
+          <a:bodyPr wrap="none" rtlCol="0">
+            <a:spAutoFit/>
+          </a:bodyPr>
+          <a:lstStyle/>
+          <a:p>
+            <a:r>
+              <a:rPr lang="en-PH" dirty="0"/>
+              <a:t>No</a:t>
+            </a:r>
+          </a:p>
+        </p:txBody>
+      </p:sp>
+      <p:sp>
+        <p:nvSpPr>
+          <p:cNvPr id="14" name="TextBox 13">
+            <a:extLst>
+              <a:ext uri="{FF2B5EF4-FFF2-40B4-BE49-F238E27FC236}">
+                <a16:creationId xmlns:a16="http://schemas.microsoft.com/office/drawing/2014/main" id="{FE2C8CC3-1F07-40E6-BE4B-9E17658355B4}"/>
+              </a:ext>
+            </a:extLst>
+          </p:cNvPr>
+          <p:cNvSpPr txBox="1"/>
+          <p:nvPr/>
+        </p:nvSpPr>
+        <p:spPr>
+          <a:xfrm>
+            <a:off x="1569492" y="2840784"/>
+            <a:ext cx="9407858" cy="369332"/>
+          </a:xfrm>
+          <a:prstGeom prst="rect">
+            <a:avLst/>
+          </a:prstGeom>
+          <a:noFill/>
+        </p:spPr>
+        <p:txBody>
+          <a:bodyPr wrap="square" rtlCol="0">
+            <a:spAutoFit/>
+          </a:bodyPr>
+          <a:lstStyle/>
+          <a:p>
+            <a:r>
+              <a:rPr lang="en-PH" dirty="0"/>
+              <a:t>Question 2</a:t>
+            </a:r>
+          </a:p>
+        </p:txBody>
+      </p:sp>
+      <p:sp>
+        <p:nvSpPr>
+          <p:cNvPr id="15" name="Oval 14">
+            <a:extLst>
+              <a:ext uri="{FF2B5EF4-FFF2-40B4-BE49-F238E27FC236}">
+                <a16:creationId xmlns:a16="http://schemas.microsoft.com/office/drawing/2014/main" id="{BA0C54B9-953B-43A6-9F78-F26889311DC0}"/>
+              </a:ext>
+            </a:extLst>
+          </p:cNvPr>
+          <p:cNvSpPr/>
+          <p:nvPr/>
+        </p:nvSpPr>
+        <p:spPr>
+          <a:xfrm>
+            <a:off x="1916080" y="3350498"/>
+            <a:ext cx="150125" cy="150125"/>
+          </a:xfrm>
+          <a:prstGeom prst="ellipse">
+            <a:avLst/>
+          </a:prstGeom>
+          <a:noFill/>
+          <a:ln>
+            <a:solidFill>
+              <a:schemeClr val="tx1">
+                <a:lumMod val="95000"/>
+                <a:lumOff val="5000"/>
+              </a:schemeClr>
+            </a:solidFill>
+          </a:ln>
+        </p:spPr>
+        <p:style>
+          <a:lnRef idx="2">
+            <a:schemeClr val="accent1">
+              <a:shade val="50000"/>
+            </a:schemeClr>
+          </a:lnRef>
+          <a:fillRef idx="1">
+            <a:schemeClr val="accent1"/>
+          </a:fillRef>
+          <a:effectRef idx="0">
+            <a:schemeClr val="accent1"/>
+          </a:effectRef>
+          <a:fontRef idx="minor">
+            <a:schemeClr val="lt1"/>
+          </a:fontRef>
+        </p:style>
+        <p:txBody>
+          <a:bodyPr rtlCol="0" anchor="ctr"/>
+          <a:lstStyle/>
+          <a:p>
+            <a:pPr algn="ctr"/>
+            <a:endParaRPr lang="en-PH"/>
+          </a:p>
+        </p:txBody>
+      </p:sp>
+      <p:sp>
+        <p:nvSpPr>
+          <p:cNvPr id="16" name="Oval 15">
+            <a:extLst>
+              <a:ext uri="{FF2B5EF4-FFF2-40B4-BE49-F238E27FC236}">
+                <a16:creationId xmlns:a16="http://schemas.microsoft.com/office/drawing/2014/main" id="{EA617FC4-5C4B-4D71-BF1F-71C985A961E8}"/>
+              </a:ext>
+            </a:extLst>
+          </p:cNvPr>
+          <p:cNvSpPr/>
+          <p:nvPr/>
+        </p:nvSpPr>
+        <p:spPr>
+          <a:xfrm>
+            <a:off x="1916079" y="3749766"/>
+            <a:ext cx="150125" cy="150125"/>
+          </a:xfrm>
+          <a:prstGeom prst="ellipse">
+            <a:avLst/>
+          </a:prstGeom>
+          <a:noFill/>
+          <a:ln>
+            <a:solidFill>
+              <a:schemeClr val="tx1">
+                <a:lumMod val="95000"/>
+                <a:lumOff val="5000"/>
+              </a:schemeClr>
+            </a:solidFill>
+          </a:ln>
+        </p:spPr>
+        <p:style>
+          <a:lnRef idx="2">
+            <a:schemeClr val="accent1">
+              <a:shade val="50000"/>
+            </a:schemeClr>
+          </a:lnRef>
+          <a:fillRef idx="1">
+            <a:schemeClr val="accent1"/>
+          </a:fillRef>
+          <a:effectRef idx="0">
+            <a:schemeClr val="accent1"/>
+          </a:effectRef>
+          <a:fontRef idx="minor">
+            <a:schemeClr val="lt1"/>
+          </a:fontRef>
+        </p:style>
+        <p:txBody>
+          <a:bodyPr rtlCol="0" anchor="ctr"/>
+          <a:lstStyle/>
+          <a:p>
+            <a:pPr algn="ctr"/>
+            <a:endParaRPr lang="en-PH"/>
+          </a:p>
+        </p:txBody>
+      </p:sp>
+      <p:sp>
+        <p:nvSpPr>
+          <p:cNvPr id="17" name="TextBox 16">
+            <a:extLst>
+              <a:ext uri="{FF2B5EF4-FFF2-40B4-BE49-F238E27FC236}">
+                <a16:creationId xmlns:a16="http://schemas.microsoft.com/office/drawing/2014/main" id="{0BDC20DA-19DB-457A-BF58-0B38A73BE07D}"/>
+              </a:ext>
+            </a:extLst>
+          </p:cNvPr>
+          <p:cNvSpPr txBox="1"/>
+          <p:nvPr/>
+        </p:nvSpPr>
+        <p:spPr>
+          <a:xfrm>
+            <a:off x="2220809" y="3240894"/>
+            <a:ext cx="485518" cy="369332"/>
+          </a:xfrm>
+          <a:prstGeom prst="rect">
+            <a:avLst/>
+          </a:prstGeom>
+          <a:noFill/>
+        </p:spPr>
+        <p:txBody>
+          <a:bodyPr wrap="none" rtlCol="0">
+            <a:spAutoFit/>
+          </a:bodyPr>
+          <a:lstStyle/>
+          <a:p>
+            <a:r>
+              <a:rPr lang="en-PH" dirty="0"/>
+              <a:t>Yes</a:t>
+            </a:r>
+          </a:p>
+        </p:txBody>
+      </p:sp>
+      <p:sp>
+        <p:nvSpPr>
+          <p:cNvPr id="18" name="TextBox 17">
+            <a:extLst>
+              <a:ext uri="{FF2B5EF4-FFF2-40B4-BE49-F238E27FC236}">
+                <a16:creationId xmlns:a16="http://schemas.microsoft.com/office/drawing/2014/main" id="{294F0734-7ECB-4491-AD30-F81E3FCB29C8}"/>
+              </a:ext>
+            </a:extLst>
+          </p:cNvPr>
+          <p:cNvSpPr txBox="1"/>
+          <p:nvPr/>
+        </p:nvSpPr>
+        <p:spPr>
+          <a:xfrm>
+            <a:off x="2220809" y="3634235"/>
+            <a:ext cx="455574" cy="369332"/>
+          </a:xfrm>
+          <a:prstGeom prst="rect">
+            <a:avLst/>
+          </a:prstGeom>
+          <a:noFill/>
+        </p:spPr>
+        <p:txBody>
+          <a:bodyPr wrap="none" rtlCol="0">
+            <a:spAutoFit/>
+          </a:bodyPr>
+          <a:lstStyle/>
+          <a:p>
+            <a:r>
+              <a:rPr lang="en-PH" dirty="0"/>
+              <a:t>No</a:t>
+            </a:r>
+          </a:p>
+        </p:txBody>
+      </p:sp>
+      <p:sp>
+        <p:nvSpPr>
+          <p:cNvPr id="19" name="TextBox 18">
+            <a:extLst>
+              <a:ext uri="{FF2B5EF4-FFF2-40B4-BE49-F238E27FC236}">
+                <a16:creationId xmlns:a16="http://schemas.microsoft.com/office/drawing/2014/main" id="{94744A9D-6B64-473E-B3ED-87E046CE2ADD}"/>
+              </a:ext>
+            </a:extLst>
+          </p:cNvPr>
+          <p:cNvSpPr txBox="1"/>
+          <p:nvPr/>
+        </p:nvSpPr>
+        <p:spPr>
+          <a:xfrm>
+            <a:off x="1569492" y="4009950"/>
+            <a:ext cx="9407858" cy="369332"/>
+          </a:xfrm>
+          <a:prstGeom prst="rect">
+            <a:avLst/>
+          </a:prstGeom>
+          <a:noFill/>
+        </p:spPr>
+        <p:txBody>
+          <a:bodyPr wrap="square" rtlCol="0">
+            <a:spAutoFit/>
+          </a:bodyPr>
+          <a:lstStyle/>
+          <a:p>
+            <a:r>
+              <a:rPr lang="en-PH" dirty="0"/>
+              <a:t>Question 3</a:t>
+            </a:r>
+          </a:p>
+        </p:txBody>
+      </p:sp>
+      <p:sp>
+        <p:nvSpPr>
+          <p:cNvPr id="20" name="Oval 19">
+            <a:extLst>
+              <a:ext uri="{FF2B5EF4-FFF2-40B4-BE49-F238E27FC236}">
+                <a16:creationId xmlns:a16="http://schemas.microsoft.com/office/drawing/2014/main" id="{85F2EE22-847A-4D4B-9538-E52D1199A1A3}"/>
+              </a:ext>
+            </a:extLst>
+          </p:cNvPr>
+          <p:cNvSpPr/>
+          <p:nvPr/>
+        </p:nvSpPr>
+        <p:spPr>
+          <a:xfrm>
+            <a:off x="1916080" y="4519664"/>
+            <a:ext cx="150125" cy="150125"/>
+          </a:xfrm>
+          <a:prstGeom prst="ellipse">
+            <a:avLst/>
+          </a:prstGeom>
+          <a:noFill/>
+          <a:ln>
+            <a:solidFill>
+              <a:schemeClr val="tx1">
+                <a:lumMod val="95000"/>
+                <a:lumOff val="5000"/>
+              </a:schemeClr>
+            </a:solidFill>
+          </a:ln>
+        </p:spPr>
+        <p:style>
+          <a:lnRef idx="2">
+            <a:schemeClr val="accent1">
+              <a:shade val="50000"/>
+            </a:schemeClr>
+          </a:lnRef>
+          <a:fillRef idx="1">
+            <a:schemeClr val="accent1"/>
+          </a:fillRef>
+          <a:effectRef idx="0">
+            <a:schemeClr val="accent1"/>
+          </a:effectRef>
+          <a:fontRef idx="minor">
+            <a:schemeClr val="lt1"/>
+          </a:fontRef>
+        </p:style>
+        <p:txBody>
+          <a:bodyPr rtlCol="0" anchor="ctr"/>
+          <a:lstStyle/>
+          <a:p>
+            <a:pPr algn="ctr"/>
+            <a:endParaRPr lang="en-PH"/>
+          </a:p>
+        </p:txBody>
+      </p:sp>
+      <p:sp>
+        <p:nvSpPr>
+          <p:cNvPr id="21" name="Oval 20">
+            <a:extLst>
+              <a:ext uri="{FF2B5EF4-FFF2-40B4-BE49-F238E27FC236}">
+                <a16:creationId xmlns:a16="http://schemas.microsoft.com/office/drawing/2014/main" id="{3ACA861D-967C-449F-8864-682C9EA2FA6C}"/>
+              </a:ext>
+            </a:extLst>
+          </p:cNvPr>
+          <p:cNvSpPr/>
+          <p:nvPr/>
+        </p:nvSpPr>
+        <p:spPr>
+          <a:xfrm>
+            <a:off x="1916079" y="4918932"/>
+            <a:ext cx="150125" cy="150125"/>
+          </a:xfrm>
+          <a:prstGeom prst="ellipse">
+            <a:avLst/>
+          </a:prstGeom>
+          <a:noFill/>
+          <a:ln>
+            <a:solidFill>
+              <a:schemeClr val="tx1">
+                <a:lumMod val="95000"/>
+                <a:lumOff val="5000"/>
+              </a:schemeClr>
+            </a:solidFill>
+          </a:ln>
+        </p:spPr>
+        <p:style>
+          <a:lnRef idx="2">
+            <a:schemeClr val="accent1">
+              <a:shade val="50000"/>
+            </a:schemeClr>
+          </a:lnRef>
+          <a:fillRef idx="1">
+            <a:schemeClr val="accent1"/>
+          </a:fillRef>
+          <a:effectRef idx="0">
+            <a:schemeClr val="accent1"/>
+          </a:effectRef>
+          <a:fontRef idx="minor">
+            <a:schemeClr val="lt1"/>
+          </a:fontRef>
+        </p:style>
+        <p:txBody>
+          <a:bodyPr rtlCol="0" anchor="ctr"/>
+          <a:lstStyle/>
+          <a:p>
+            <a:pPr algn="ctr"/>
+            <a:endParaRPr lang="en-PH"/>
+          </a:p>
+        </p:txBody>
+      </p:sp>
+      <p:sp>
+        <p:nvSpPr>
+          <p:cNvPr id="22" name="TextBox 21">
+            <a:extLst>
+              <a:ext uri="{FF2B5EF4-FFF2-40B4-BE49-F238E27FC236}">
+                <a16:creationId xmlns:a16="http://schemas.microsoft.com/office/drawing/2014/main" id="{089734F7-8F4C-4043-B427-86F6439354D9}"/>
+              </a:ext>
+            </a:extLst>
+          </p:cNvPr>
+          <p:cNvSpPr txBox="1"/>
+          <p:nvPr/>
+        </p:nvSpPr>
+        <p:spPr>
+          <a:xfrm>
+            <a:off x="2220809" y="4410060"/>
+            <a:ext cx="485518" cy="369332"/>
+          </a:xfrm>
+          <a:prstGeom prst="rect">
+            <a:avLst/>
+          </a:prstGeom>
+          <a:noFill/>
+        </p:spPr>
+        <p:txBody>
+          <a:bodyPr wrap="none" rtlCol="0">
+            <a:spAutoFit/>
+          </a:bodyPr>
+          <a:lstStyle/>
+          <a:p>
+            <a:r>
+              <a:rPr lang="en-PH" dirty="0"/>
+              <a:t>Yes</a:t>
+            </a:r>
+          </a:p>
+        </p:txBody>
+      </p:sp>
+      <p:sp>
+        <p:nvSpPr>
+          <p:cNvPr id="23" name="TextBox 22">
+            <a:extLst>
+              <a:ext uri="{FF2B5EF4-FFF2-40B4-BE49-F238E27FC236}">
+                <a16:creationId xmlns:a16="http://schemas.microsoft.com/office/drawing/2014/main" id="{C21C044D-ABEA-4DFA-8A4C-DC8FE67110C6}"/>
+              </a:ext>
+            </a:extLst>
+          </p:cNvPr>
+          <p:cNvSpPr txBox="1"/>
+          <p:nvPr/>
+        </p:nvSpPr>
+        <p:spPr>
+          <a:xfrm>
+            <a:off x="2220809" y="4803401"/>
+            <a:ext cx="455574" cy="369332"/>
+          </a:xfrm>
+          <a:prstGeom prst="rect">
+            <a:avLst/>
+          </a:prstGeom>
+          <a:noFill/>
+        </p:spPr>
+        <p:txBody>
+          <a:bodyPr wrap="none" rtlCol="0">
+            <a:spAutoFit/>
+          </a:bodyPr>
+          <a:lstStyle/>
+          <a:p>
+            <a:r>
+              <a:rPr lang="en-PH" dirty="0"/>
+              <a:t>No</a:t>
+            </a:r>
+          </a:p>
+        </p:txBody>
+      </p:sp>
+      <p:sp>
+        <p:nvSpPr>
+          <p:cNvPr id="24" name="Rectangle 23">
+            <a:extLst>
+              <a:ext uri="{FF2B5EF4-FFF2-40B4-BE49-F238E27FC236}">
+                <a16:creationId xmlns:a16="http://schemas.microsoft.com/office/drawing/2014/main" id="{AD3A88F2-A769-48AC-AB23-69D904DAA6F1}"/>
+              </a:ext>
+            </a:extLst>
+          </p:cNvPr>
+          <p:cNvSpPr/>
+          <p:nvPr/>
+        </p:nvSpPr>
+        <p:spPr>
+          <a:xfrm>
+            <a:off x="1569492" y="5500041"/>
+            <a:ext cx="1596789" cy="491320"/>
+          </a:xfrm>
+          <a:prstGeom prst="rect">
+            <a:avLst/>
+          </a:prstGeom>
+          <a:solidFill>
+            <a:schemeClr val="accent1">
+              <a:lumMod val="75000"/>
+            </a:schemeClr>
+          </a:solidFill>
+        </p:spPr>
+        <p:style>
+          <a:lnRef idx="2">
+            <a:schemeClr val="accent1">
+              <a:shade val="50000"/>
+            </a:schemeClr>
+          </a:lnRef>
+          <a:fillRef idx="1">
+            <a:schemeClr val="accent1"/>
+          </a:fillRef>
+          <a:effectRef idx="0">
+            <a:schemeClr val="accent1"/>
+          </a:effectRef>
+          <a:fontRef idx="minor">
+            <a:schemeClr val="lt1"/>
+          </a:fontRef>
+        </p:style>
+        <p:txBody>
+          <a:bodyPr rtlCol="0" anchor="ctr"/>
+          <a:lstStyle/>
+          <a:p>
+            <a:pPr algn="ctr"/>
+            <a:r>
+              <a:rPr lang="en-PH" dirty="0">
+                <a:solidFill>
+                  <a:schemeClr val="bg1"/>
+                </a:solidFill>
+              </a:rPr>
+              <a:t>Submit</a:t>
+            </a:r>
+          </a:p>
+        </p:txBody>
+      </p:sp>
+      <p:cxnSp>
+        <p:nvCxnSpPr>
+          <p:cNvPr id="25" name="Straight Arrow Connector 24">
+            <a:extLst>
+              <a:ext uri="{FF2B5EF4-FFF2-40B4-BE49-F238E27FC236}">
+                <a16:creationId xmlns:a16="http://schemas.microsoft.com/office/drawing/2014/main" id="{17D49AA0-1B53-4DCD-B38C-68C5357BC1BD}"/>
+              </a:ext>
+            </a:extLst>
+          </p:cNvPr>
+          <p:cNvCxnSpPr>
+            <a:cxnSpLocks/>
+          </p:cNvCxnSpPr>
+          <p:nvPr/>
+        </p:nvCxnSpPr>
+        <p:spPr>
+          <a:xfrm>
+            <a:off x="3166281" y="5748113"/>
+            <a:ext cx="943278" cy="0"/>
+          </a:xfrm>
+          <a:prstGeom prst="straightConnector1">
+            <a:avLst/>
+          </a:prstGeom>
+          <a:ln w="38100">
+            <a:solidFill>
+              <a:schemeClr val="tx1"/>
+            </a:solidFill>
+            <a:tailEnd type="triangle"/>
+          </a:ln>
+        </p:spPr>
+        <p:style>
+          <a:lnRef idx="1">
+            <a:schemeClr val="accent1"/>
+          </a:lnRef>
+          <a:fillRef idx="0">
+            <a:schemeClr val="accent1"/>
+          </a:fillRef>
+          <a:effectRef idx="0">
+            <a:schemeClr val="accent1"/>
+          </a:effectRef>
+          <a:fontRef idx="minor">
+            <a:schemeClr val="tx1"/>
+          </a:fontRef>
+        </p:style>
+      </p:cxnSp>
+      <p:sp>
+        <p:nvSpPr>
+          <p:cNvPr id="26" name="TextBox 25">
+            <a:extLst>
+              <a:ext uri="{FF2B5EF4-FFF2-40B4-BE49-F238E27FC236}">
+                <a16:creationId xmlns:a16="http://schemas.microsoft.com/office/drawing/2014/main" id="{A3F75778-FCB0-45EA-88A5-0D62DCB52F2D}"/>
+              </a:ext>
+            </a:extLst>
+          </p:cNvPr>
+          <p:cNvSpPr txBox="1"/>
+          <p:nvPr/>
+        </p:nvSpPr>
+        <p:spPr>
+          <a:xfrm>
+            <a:off x="4109559" y="5552983"/>
+            <a:ext cx="1866858" cy="369332"/>
+          </a:xfrm>
+          <a:prstGeom prst="rect">
+            <a:avLst/>
+          </a:prstGeom>
+          <a:noFill/>
+        </p:spPr>
+        <p:txBody>
+          <a:bodyPr wrap="none" rtlCol="0">
+            <a:spAutoFit/>
+          </a:bodyPr>
+          <a:lstStyle/>
+          <a:p>
+            <a:r>
+              <a:rPr lang="en-PH" dirty="0"/>
+              <a:t>Go back to page 3</a:t>
+            </a:r>
+          </a:p>
+        </p:txBody>
+      </p:sp>
+    </p:spTree>
+    <p:extLst>
+      <p:ext uri="{BB962C8B-B14F-4D97-AF65-F5344CB8AC3E}">
+        <p14:creationId xmlns:p14="http://schemas.microsoft.com/office/powerpoint/2010/main" val="1840521103"/>
+      </p:ext>
+    </p:extLst>
+  </p:cSld>
+  <p:clrMapOvr>
+    <a:masterClrMapping/>
+  </p:clrMapOvr>
+</p:sld>
+</file>
+
+<file path=ppt/slides/slide8.xml><?xml version="1.0" encoding="utf-8"?>
+<p:sld xmlns:a="http://schemas.openxmlformats.org/drawingml/2006/main" xmlns:r="http://schemas.openxmlformats.org/officeDocument/2006/relationships" xmlns:p="http://schemas.openxmlformats.org/presentationml/2006/main">
+  <p:cSld>
+    <p:spTree>
+      <p:nvGrpSpPr>
+        <p:cNvPr id="1" name=""/>
+        <p:cNvGrpSpPr/>
+        <p:nvPr/>
+      </p:nvGrpSpPr>
+      <p:grpSpPr>
+        <a:xfrm>
+          <a:off x="0" y="0"/>
+          <a:ext cx="0" cy="0"/>
+          <a:chOff x="0" y="0"/>
+          <a:chExt cx="0" cy="0"/>
+        </a:xfrm>
+      </p:grpSpPr>
+      <p:sp>
+        <p:nvSpPr>
+          <p:cNvPr id="4" name="TextBox 3">
+            <a:extLst>
+              <a:ext uri="{FF2B5EF4-FFF2-40B4-BE49-F238E27FC236}">
+                <a16:creationId xmlns:a16="http://schemas.microsoft.com/office/drawing/2014/main" id="{A54D1D3F-7BDE-4FC0-B67F-2E1B670F3DCB}"/>
+              </a:ext>
+            </a:extLst>
+          </p:cNvPr>
+          <p:cNvSpPr txBox="1"/>
+          <p:nvPr/>
+        </p:nvSpPr>
+        <p:spPr>
+          <a:xfrm>
+            <a:off x="5500004" y="518612"/>
+            <a:ext cx="1191993" cy="461665"/>
+          </a:xfrm>
+          <a:prstGeom prst="rect">
+            <a:avLst/>
+          </a:prstGeom>
+          <a:noFill/>
+        </p:spPr>
+        <p:txBody>
+          <a:bodyPr wrap="none" rtlCol="0">
+            <a:spAutoFit/>
+          </a:bodyPr>
+          <a:lstStyle/>
+          <a:p>
+            <a:r>
+              <a:rPr lang="en-PH" sz="2400" dirty="0"/>
+              <a:t>Register</a:t>
+            </a:r>
+          </a:p>
+        </p:txBody>
+      </p:sp>
+      <p:sp>
+        <p:nvSpPr>
+          <p:cNvPr id="5" name="Rectangle 4">
+            <a:extLst>
+              <a:ext uri="{FF2B5EF4-FFF2-40B4-BE49-F238E27FC236}">
+                <a16:creationId xmlns:a16="http://schemas.microsoft.com/office/drawing/2014/main" id="{AA2B2B78-1521-4116-AADF-F9683A31A97F}"/>
+              </a:ext>
+            </a:extLst>
+          </p:cNvPr>
+          <p:cNvSpPr/>
+          <p:nvPr/>
+        </p:nvSpPr>
+        <p:spPr>
+          <a:xfrm>
+            <a:off x="2251878" y="1378426"/>
+            <a:ext cx="2493457" cy="443053"/>
+          </a:xfrm>
+          <a:prstGeom prst="rect">
+            <a:avLst/>
+          </a:prstGeom>
+          <a:noFill/>
+          <a:ln>
+            <a:solidFill>
+              <a:schemeClr val="tx1"/>
+            </a:solidFill>
+          </a:ln>
+        </p:spPr>
+        <p:style>
+          <a:lnRef idx="2">
+            <a:schemeClr val="accent1">
+              <a:shade val="50000"/>
+            </a:schemeClr>
+          </a:lnRef>
+          <a:fillRef idx="1">
+            <a:schemeClr val="accent1"/>
+          </a:fillRef>
+          <a:effectRef idx="0">
+            <a:schemeClr val="accent1"/>
+          </a:effectRef>
+          <a:fontRef idx="minor">
+            <a:schemeClr val="lt1"/>
+          </a:fontRef>
+        </p:style>
+        <p:txBody>
+          <a:bodyPr rtlCol="0" anchor="ctr"/>
+          <a:lstStyle/>
+          <a:p>
+            <a:r>
+              <a:rPr lang="en-PH" dirty="0">
+                <a:solidFill>
+                  <a:schemeClr val="bg1">
+                    <a:lumMod val="65000"/>
+                  </a:schemeClr>
                 </a:solidFill>
               </a:rPr>
               <a:t>Juan</a:t>
             </a:r>
-            <a:endParaRPr lang="en-PH" sz="10000" spc="300" dirty="0">
-              <a:solidFill>
-                <a:srgbClr val="0070C0"/>
-              </a:solidFill>
-            </a:endParaRPr>
-          </a:p>
-        </p:txBody>
-      </p:sp>
-      <p:sp>
-        <p:nvSpPr>
-          <p:cNvPr id="9" name="TextBox 8">
-            <a:extLst>
-              <a:ext uri="{FF2B5EF4-FFF2-40B4-BE49-F238E27FC236}">
-                <a16:creationId xmlns:a16="http://schemas.microsoft.com/office/drawing/2014/main" id="{7128A47C-B5B5-4135-AF47-C1C4F1E8452C}"/>
+          </a:p>
+        </p:txBody>
+      </p:sp>
+      <p:sp>
+        <p:nvSpPr>
+          <p:cNvPr id="6" name="TextBox 5">
+            <a:extLst>
+              <a:ext uri="{FF2B5EF4-FFF2-40B4-BE49-F238E27FC236}">
+                <a16:creationId xmlns:a16="http://schemas.microsoft.com/office/drawing/2014/main" id="{EB65F2DD-82BD-403F-86C6-8C42D30EEEF1}"/>
               </a:ext>
             </a:extLst>
           </p:cNvPr>
@@ -5567,8 +7949,8 @@
         </p:nvSpPr>
         <p:spPr>
           <a:xfrm>
-            <a:off x="5603631" y="187569"/>
-            <a:ext cx="5287107" cy="784830"/>
+            <a:off x="2142696" y="1009094"/>
+            <a:ext cx="1196033" cy="369332"/>
           </a:xfrm>
           <a:prstGeom prst="rect">
             <a:avLst/>
@@ -5582,16 +7964,68 @@
           <a:lstStyle/>
           <a:p>
             <a:r>
-              <a:rPr lang="en-PH" sz="4500" b="1" dirty="0">
+              <a:rPr lang="en-PH" dirty="0"/>
+              <a:t>First Name</a:t>
+            </a:r>
+          </a:p>
+        </p:txBody>
+      </p:sp>
+      <p:sp>
+        <p:nvSpPr>
+          <p:cNvPr id="9" name="Rectangle 8">
+            <a:extLst>
+              <a:ext uri="{FF2B5EF4-FFF2-40B4-BE49-F238E27FC236}">
+                <a16:creationId xmlns:a16="http://schemas.microsoft.com/office/drawing/2014/main" id="{74ADC359-5B37-4558-A657-B0B0F1856B11}"/>
+              </a:ext>
+            </a:extLst>
+          </p:cNvPr>
+          <p:cNvSpPr/>
+          <p:nvPr/>
+        </p:nvSpPr>
+        <p:spPr>
+          <a:xfrm>
+            <a:off x="2251878" y="2302433"/>
+            <a:ext cx="2493457" cy="443053"/>
+          </a:xfrm>
+          <a:prstGeom prst="rect">
+            <a:avLst/>
+          </a:prstGeom>
+          <a:noFill/>
+          <a:ln>
+            <a:solidFill>
+              <a:schemeClr val="tx1"/>
+            </a:solidFill>
+          </a:ln>
+        </p:spPr>
+        <p:style>
+          <a:lnRef idx="2">
+            <a:schemeClr val="accent1">
+              <a:shade val="50000"/>
+            </a:schemeClr>
+          </a:lnRef>
+          <a:fillRef idx="1">
+            <a:schemeClr val="accent1"/>
+          </a:fillRef>
+          <a:effectRef idx="0">
+            <a:schemeClr val="accent1"/>
+          </a:effectRef>
+          <a:fontRef idx="minor">
+            <a:schemeClr val="lt1"/>
+          </a:fontRef>
+        </p:style>
+        <p:txBody>
+          <a:bodyPr rtlCol="0" anchor="ctr"/>
+          <a:lstStyle/>
+          <a:p>
+            <a:r>
+              <a:rPr lang="en-PH" dirty="0">
                 <a:solidFill>
                   <a:schemeClr val="bg1">
-                    <a:lumMod val="85000"/>
+                    <a:lumMod val="65000"/>
                   </a:schemeClr>
                 </a:solidFill>
-                <a:latin typeface="Calibri" panose="020F0502020204030204" pitchFamily="34" charset="0"/>
-                <a:cs typeface="Calibri" panose="020F0502020204030204" pitchFamily="34" charset="0"/>
               </a:rPr>
-              <a:t>Approach</a:t>
+              <a:t>Santiago</a:t>
             </a:r>
           </a:p>
         </p:txBody>
@@ -5601,7 +8035,7 @@
           <p:cNvPr id="10" name="TextBox 9">
             <a:extLst>
               <a:ext uri="{FF2B5EF4-FFF2-40B4-BE49-F238E27FC236}">
-                <a16:creationId xmlns:a16="http://schemas.microsoft.com/office/drawing/2014/main" id="{A20A19F0-9DAC-4E0A-BEF8-CC5EAFEB8F9B}"/>
+                <a16:creationId xmlns:a16="http://schemas.microsoft.com/office/drawing/2014/main" id="{9FAAA8EA-F604-4DB7-A023-CB91DF7A01C9}"/>
               </a:ext>
             </a:extLst>
           </p:cNvPr>
@@ -5610,8 +8044,8 @@
         </p:nvSpPr>
         <p:spPr>
           <a:xfrm>
-            <a:off x="6635262" y="2063261"/>
-            <a:ext cx="6060831" cy="1246495"/>
+            <a:off x="2142696" y="1933101"/>
+            <a:ext cx="1459054" cy="369332"/>
           </a:xfrm>
           <a:prstGeom prst="rect">
             <a:avLst/>
@@ -5624,41 +8058,960 @@
           </a:bodyPr>
           <a:lstStyle/>
           <a:p>
-            <a:pPr marL="285750" indent="-285750">
-              <a:lnSpc>
-                <a:spcPct val="150000"/>
-              </a:lnSpc>
-              <a:buFont typeface="Wingdings" panose="05000000000000000000" pitchFamily="2" charset="2"/>
-              <a:buChar char="Ø"/>
-            </a:pPr>
-            <a:r>
-              <a:rPr lang="en-PH" sz="2500" dirty="0">
+            <a:r>
+              <a:rPr lang="en-PH" dirty="0"/>
+              <a:t>Middle Name</a:t>
+            </a:r>
+          </a:p>
+        </p:txBody>
+      </p:sp>
+      <p:sp>
+        <p:nvSpPr>
+          <p:cNvPr id="11" name="Rectangle 10">
+            <a:extLst>
+              <a:ext uri="{FF2B5EF4-FFF2-40B4-BE49-F238E27FC236}">
+                <a16:creationId xmlns:a16="http://schemas.microsoft.com/office/drawing/2014/main" id="{B2FDCB44-D522-4B4A-B029-ED83C7B8FE47}"/>
+              </a:ext>
+            </a:extLst>
+          </p:cNvPr>
+          <p:cNvSpPr/>
+          <p:nvPr/>
+        </p:nvSpPr>
+        <p:spPr>
+          <a:xfrm>
+            <a:off x="2251878" y="3226440"/>
+            <a:ext cx="2493457" cy="443053"/>
+          </a:xfrm>
+          <a:prstGeom prst="rect">
+            <a:avLst/>
+          </a:prstGeom>
+          <a:noFill/>
+          <a:ln>
+            <a:solidFill>
+              <a:schemeClr val="tx1"/>
+            </a:solidFill>
+          </a:ln>
+        </p:spPr>
+        <p:style>
+          <a:lnRef idx="2">
+            <a:schemeClr val="accent1">
+              <a:shade val="50000"/>
+            </a:schemeClr>
+          </a:lnRef>
+          <a:fillRef idx="1">
+            <a:schemeClr val="accent1"/>
+          </a:fillRef>
+          <a:effectRef idx="0">
+            <a:schemeClr val="accent1"/>
+          </a:effectRef>
+          <a:fontRef idx="minor">
+            <a:schemeClr val="lt1"/>
+          </a:fontRef>
+        </p:style>
+        <p:txBody>
+          <a:bodyPr rtlCol="0" anchor="ctr"/>
+          <a:lstStyle/>
+          <a:p>
+            <a:r>
+              <a:rPr lang="en-PH" dirty="0" err="1">
                 <a:solidFill>
                   <a:schemeClr val="bg1">
-                    <a:lumMod val="85000"/>
+                    <a:lumMod val="65000"/>
                   </a:schemeClr>
                 </a:solidFill>
               </a:rPr>
-              <a:t>Nation  Building for us</a:t>
-            </a:r>
-          </a:p>
-          <a:p>
-            <a:pPr marL="285750" indent="-285750">
-              <a:lnSpc>
-                <a:spcPct val="150000"/>
-              </a:lnSpc>
-              <a:buFont typeface="Wingdings" panose="05000000000000000000" pitchFamily="2" charset="2"/>
-              <a:buChar char="Ø"/>
-            </a:pPr>
-            <a:r>
-              <a:rPr lang="en-PH" sz="2500" dirty="0">
+              <a:t>Dela</a:t>
+            </a:r>
+            <a:r>
+              <a:rPr lang="en-PH" dirty="0">
                 <a:solidFill>
                   <a:schemeClr val="bg1">
-                    <a:lumMod val="85000"/>
+                    <a:lumMod val="65000"/>
                   </a:schemeClr>
                 </a:solidFill>
               </a:rPr>
-              <a:t>Empower our Nation</a:t>
+              <a:t> Cruz</a:t>
+            </a:r>
+          </a:p>
+        </p:txBody>
+      </p:sp>
+      <p:sp>
+        <p:nvSpPr>
+          <p:cNvPr id="12" name="TextBox 11">
+            <a:extLst>
+              <a:ext uri="{FF2B5EF4-FFF2-40B4-BE49-F238E27FC236}">
+                <a16:creationId xmlns:a16="http://schemas.microsoft.com/office/drawing/2014/main" id="{0C219CC8-55E9-47E2-99BD-08C25F611DF9}"/>
+              </a:ext>
+            </a:extLst>
+          </p:cNvPr>
+          <p:cNvSpPr txBox="1"/>
+          <p:nvPr/>
+        </p:nvSpPr>
+        <p:spPr>
+          <a:xfrm>
+            <a:off x="2142696" y="2857108"/>
+            <a:ext cx="1169551" cy="369332"/>
+          </a:xfrm>
+          <a:prstGeom prst="rect">
+            <a:avLst/>
+          </a:prstGeom>
+          <a:noFill/>
+        </p:spPr>
+        <p:txBody>
+          <a:bodyPr wrap="square" rtlCol="0">
+            <a:spAutoFit/>
+          </a:bodyPr>
+          <a:lstStyle/>
+          <a:p>
+            <a:r>
+              <a:rPr lang="en-PH" dirty="0"/>
+              <a:t>Last Name</a:t>
+            </a:r>
+          </a:p>
+        </p:txBody>
+      </p:sp>
+      <p:sp>
+        <p:nvSpPr>
+          <p:cNvPr id="14" name="TextBox 13">
+            <a:extLst>
+              <a:ext uri="{FF2B5EF4-FFF2-40B4-BE49-F238E27FC236}">
+                <a16:creationId xmlns:a16="http://schemas.microsoft.com/office/drawing/2014/main" id="{3AA24B63-F724-4A49-A666-B9BB20C991D9}"/>
+              </a:ext>
+            </a:extLst>
+          </p:cNvPr>
+          <p:cNvSpPr txBox="1"/>
+          <p:nvPr/>
+        </p:nvSpPr>
+        <p:spPr>
+          <a:xfrm>
+            <a:off x="2215905" y="3781115"/>
+            <a:ext cx="885179" cy="369332"/>
+          </a:xfrm>
+          <a:prstGeom prst="rect">
+            <a:avLst/>
+          </a:prstGeom>
+          <a:noFill/>
+        </p:spPr>
+        <p:txBody>
+          <a:bodyPr wrap="square" rtlCol="0">
+            <a:spAutoFit/>
+          </a:bodyPr>
+          <a:lstStyle/>
+          <a:p>
+            <a:r>
+              <a:rPr lang="en-PH" dirty="0"/>
+              <a:t>Gender</a:t>
+            </a:r>
+          </a:p>
+        </p:txBody>
+      </p:sp>
+      <p:sp>
+        <p:nvSpPr>
+          <p:cNvPr id="15" name="Oval 14">
+            <a:extLst>
+              <a:ext uri="{FF2B5EF4-FFF2-40B4-BE49-F238E27FC236}">
+                <a16:creationId xmlns:a16="http://schemas.microsoft.com/office/drawing/2014/main" id="{0D9EDF44-0C43-4036-A491-8F46D74904FA}"/>
+              </a:ext>
+            </a:extLst>
+          </p:cNvPr>
+          <p:cNvSpPr/>
+          <p:nvPr/>
+        </p:nvSpPr>
+        <p:spPr>
+          <a:xfrm>
+            <a:off x="2416973" y="4227872"/>
+            <a:ext cx="150125" cy="150125"/>
+          </a:xfrm>
+          <a:prstGeom prst="ellipse">
+            <a:avLst/>
+          </a:prstGeom>
+          <a:noFill/>
+          <a:ln>
+            <a:solidFill>
+              <a:schemeClr val="tx1">
+                <a:lumMod val="95000"/>
+                <a:lumOff val="5000"/>
+              </a:schemeClr>
+            </a:solidFill>
+          </a:ln>
+        </p:spPr>
+        <p:style>
+          <a:lnRef idx="2">
+            <a:schemeClr val="accent1">
+              <a:shade val="50000"/>
+            </a:schemeClr>
+          </a:lnRef>
+          <a:fillRef idx="1">
+            <a:schemeClr val="accent1"/>
+          </a:fillRef>
+          <a:effectRef idx="0">
+            <a:schemeClr val="accent1"/>
+          </a:effectRef>
+          <a:fontRef idx="minor">
+            <a:schemeClr val="lt1"/>
+          </a:fontRef>
+        </p:style>
+        <p:txBody>
+          <a:bodyPr rtlCol="0" anchor="ctr"/>
+          <a:lstStyle/>
+          <a:p>
+            <a:pPr algn="ctr"/>
+            <a:endParaRPr lang="en-PH"/>
+          </a:p>
+        </p:txBody>
+      </p:sp>
+      <p:sp>
+        <p:nvSpPr>
+          <p:cNvPr id="16" name="Oval 15">
+            <a:extLst>
+              <a:ext uri="{FF2B5EF4-FFF2-40B4-BE49-F238E27FC236}">
+                <a16:creationId xmlns:a16="http://schemas.microsoft.com/office/drawing/2014/main" id="{16DB68A5-499D-4AC9-9EB0-90294324ACED}"/>
+              </a:ext>
+            </a:extLst>
+          </p:cNvPr>
+          <p:cNvSpPr/>
+          <p:nvPr/>
+        </p:nvSpPr>
+        <p:spPr>
+          <a:xfrm>
+            <a:off x="2416972" y="4627140"/>
+            <a:ext cx="150125" cy="150125"/>
+          </a:xfrm>
+          <a:prstGeom prst="ellipse">
+            <a:avLst/>
+          </a:prstGeom>
+          <a:noFill/>
+          <a:ln>
+            <a:solidFill>
+              <a:schemeClr val="tx1">
+                <a:lumMod val="95000"/>
+                <a:lumOff val="5000"/>
+              </a:schemeClr>
+            </a:solidFill>
+          </a:ln>
+        </p:spPr>
+        <p:style>
+          <a:lnRef idx="2">
+            <a:schemeClr val="accent1">
+              <a:shade val="50000"/>
+            </a:schemeClr>
+          </a:lnRef>
+          <a:fillRef idx="1">
+            <a:schemeClr val="accent1"/>
+          </a:fillRef>
+          <a:effectRef idx="0">
+            <a:schemeClr val="accent1"/>
+          </a:effectRef>
+          <a:fontRef idx="minor">
+            <a:schemeClr val="lt1"/>
+          </a:fontRef>
+        </p:style>
+        <p:txBody>
+          <a:bodyPr rtlCol="0" anchor="ctr"/>
+          <a:lstStyle/>
+          <a:p>
+            <a:pPr algn="ctr"/>
+            <a:endParaRPr lang="en-PH"/>
+          </a:p>
+        </p:txBody>
+      </p:sp>
+      <p:sp>
+        <p:nvSpPr>
+          <p:cNvPr id="17" name="TextBox 16">
+            <a:extLst>
+              <a:ext uri="{FF2B5EF4-FFF2-40B4-BE49-F238E27FC236}">
+                <a16:creationId xmlns:a16="http://schemas.microsoft.com/office/drawing/2014/main" id="{712D34D0-3ADB-4DD9-8A7F-B17CF3A93401}"/>
+              </a:ext>
+            </a:extLst>
+          </p:cNvPr>
+          <p:cNvSpPr txBox="1"/>
+          <p:nvPr/>
+        </p:nvSpPr>
+        <p:spPr>
+          <a:xfrm>
+            <a:off x="2721702" y="4118268"/>
+            <a:ext cx="660758" cy="369332"/>
+          </a:xfrm>
+          <a:prstGeom prst="rect">
+            <a:avLst/>
+          </a:prstGeom>
+          <a:noFill/>
+        </p:spPr>
+        <p:txBody>
+          <a:bodyPr wrap="square" rtlCol="0">
+            <a:spAutoFit/>
+          </a:bodyPr>
+          <a:lstStyle/>
+          <a:p>
+            <a:r>
+              <a:rPr lang="en-PH" dirty="0"/>
+              <a:t>Male</a:t>
+            </a:r>
+          </a:p>
+        </p:txBody>
+      </p:sp>
+      <p:sp>
+        <p:nvSpPr>
+          <p:cNvPr id="18" name="TextBox 17">
+            <a:extLst>
+              <a:ext uri="{FF2B5EF4-FFF2-40B4-BE49-F238E27FC236}">
+                <a16:creationId xmlns:a16="http://schemas.microsoft.com/office/drawing/2014/main" id="{66987ECD-1C9C-444D-A96B-F7855931F85F}"/>
+              </a:ext>
+            </a:extLst>
+          </p:cNvPr>
+          <p:cNvSpPr txBox="1"/>
+          <p:nvPr/>
+        </p:nvSpPr>
+        <p:spPr>
+          <a:xfrm>
+            <a:off x="2721702" y="4511609"/>
+            <a:ext cx="865750" cy="369332"/>
+          </a:xfrm>
+          <a:prstGeom prst="rect">
+            <a:avLst/>
+          </a:prstGeom>
+          <a:noFill/>
+        </p:spPr>
+        <p:txBody>
+          <a:bodyPr wrap="square" rtlCol="0">
+            <a:spAutoFit/>
+          </a:bodyPr>
+          <a:lstStyle/>
+          <a:p>
+            <a:r>
+              <a:rPr lang="en-PH" dirty="0"/>
+              <a:t>Female</a:t>
+            </a:r>
+          </a:p>
+        </p:txBody>
+      </p:sp>
+      <p:sp>
+        <p:nvSpPr>
+          <p:cNvPr id="21" name="Rectangle 20">
+            <a:extLst>
+              <a:ext uri="{FF2B5EF4-FFF2-40B4-BE49-F238E27FC236}">
+                <a16:creationId xmlns:a16="http://schemas.microsoft.com/office/drawing/2014/main" id="{7582DD91-E3E3-4295-8BA4-3C84705D43B9}"/>
+              </a:ext>
+            </a:extLst>
+          </p:cNvPr>
+          <p:cNvSpPr/>
+          <p:nvPr/>
+        </p:nvSpPr>
+        <p:spPr>
+          <a:xfrm>
+            <a:off x="2246108" y="5194085"/>
+            <a:ext cx="2493457" cy="443053"/>
+          </a:xfrm>
+          <a:prstGeom prst="rect">
+            <a:avLst/>
+          </a:prstGeom>
+          <a:noFill/>
+          <a:ln>
+            <a:solidFill>
+              <a:schemeClr val="tx1"/>
+            </a:solidFill>
+          </a:ln>
+        </p:spPr>
+        <p:style>
+          <a:lnRef idx="2">
+            <a:schemeClr val="accent1">
+              <a:shade val="50000"/>
+            </a:schemeClr>
+          </a:lnRef>
+          <a:fillRef idx="1">
+            <a:schemeClr val="accent1"/>
+          </a:fillRef>
+          <a:effectRef idx="0">
+            <a:schemeClr val="accent1"/>
+          </a:effectRef>
+          <a:fontRef idx="minor">
+            <a:schemeClr val="lt1"/>
+          </a:fontRef>
+        </p:style>
+        <p:txBody>
+          <a:bodyPr rtlCol="0" anchor="ctr"/>
+          <a:lstStyle/>
+          <a:p>
+            <a:r>
+              <a:rPr lang="en-PH" dirty="0" err="1">
+                <a:solidFill>
+                  <a:schemeClr val="bg1">
+                    <a:lumMod val="65000"/>
+                  </a:schemeClr>
+                </a:solidFill>
+              </a:rPr>
+              <a:t>Canonico</a:t>
+            </a:r>
+            <a:r>
+              <a:rPr lang="en-PH" dirty="0">
+                <a:solidFill>
+                  <a:schemeClr val="bg1">
+                    <a:lumMod val="65000"/>
+                  </a:schemeClr>
+                </a:solidFill>
+              </a:rPr>
+              <a:t> Street</a:t>
+            </a:r>
+          </a:p>
+        </p:txBody>
+      </p:sp>
+      <p:sp>
+        <p:nvSpPr>
+          <p:cNvPr id="22" name="TextBox 21">
+            <a:extLst>
+              <a:ext uri="{FF2B5EF4-FFF2-40B4-BE49-F238E27FC236}">
+                <a16:creationId xmlns:a16="http://schemas.microsoft.com/office/drawing/2014/main" id="{CAB081F7-D4AB-44E1-B250-BACC27E5696A}"/>
+              </a:ext>
+            </a:extLst>
+          </p:cNvPr>
+          <p:cNvSpPr txBox="1"/>
+          <p:nvPr/>
+        </p:nvSpPr>
+        <p:spPr>
+          <a:xfrm>
+            <a:off x="2136926" y="4824753"/>
+            <a:ext cx="1169551" cy="369332"/>
+          </a:xfrm>
+          <a:prstGeom prst="rect">
+            <a:avLst/>
+          </a:prstGeom>
+          <a:noFill/>
+        </p:spPr>
+        <p:txBody>
+          <a:bodyPr wrap="square" rtlCol="0">
+            <a:spAutoFit/>
+          </a:bodyPr>
+          <a:lstStyle/>
+          <a:p>
+            <a:r>
+              <a:rPr lang="en-PH" dirty="0"/>
+              <a:t>Street</a:t>
+            </a:r>
+          </a:p>
+        </p:txBody>
+      </p:sp>
+      <p:sp>
+        <p:nvSpPr>
+          <p:cNvPr id="23" name="Rectangle 22">
+            <a:extLst>
+              <a:ext uri="{FF2B5EF4-FFF2-40B4-BE49-F238E27FC236}">
+                <a16:creationId xmlns:a16="http://schemas.microsoft.com/office/drawing/2014/main" id="{EC1DC718-807B-408E-BB31-1102B9A27541}"/>
+              </a:ext>
+            </a:extLst>
+          </p:cNvPr>
+          <p:cNvSpPr/>
+          <p:nvPr/>
+        </p:nvSpPr>
+        <p:spPr>
+          <a:xfrm>
+            <a:off x="2246108" y="6080121"/>
+            <a:ext cx="2493457" cy="443053"/>
+          </a:xfrm>
+          <a:prstGeom prst="rect">
+            <a:avLst/>
+          </a:prstGeom>
+          <a:noFill/>
+          <a:ln>
+            <a:solidFill>
+              <a:schemeClr val="tx1"/>
+            </a:solidFill>
+          </a:ln>
+        </p:spPr>
+        <p:style>
+          <a:lnRef idx="2">
+            <a:schemeClr val="accent1">
+              <a:shade val="50000"/>
+            </a:schemeClr>
+          </a:lnRef>
+          <a:fillRef idx="1">
+            <a:schemeClr val="accent1"/>
+          </a:fillRef>
+          <a:effectRef idx="0">
+            <a:schemeClr val="accent1"/>
+          </a:effectRef>
+          <a:fontRef idx="minor">
+            <a:schemeClr val="lt1"/>
+          </a:fontRef>
+        </p:style>
+        <p:txBody>
+          <a:bodyPr rtlCol="0" anchor="ctr"/>
+          <a:lstStyle/>
+          <a:p>
+            <a:r>
+              <a:rPr lang="en-PH" dirty="0">
+                <a:solidFill>
+                  <a:schemeClr val="bg1">
+                    <a:lumMod val="65000"/>
+                  </a:schemeClr>
+                </a:solidFill>
+              </a:rPr>
+              <a:t>Quezon City</a:t>
+            </a:r>
+          </a:p>
+        </p:txBody>
+      </p:sp>
+      <p:sp>
+        <p:nvSpPr>
+          <p:cNvPr id="24" name="TextBox 23">
+            <a:extLst>
+              <a:ext uri="{FF2B5EF4-FFF2-40B4-BE49-F238E27FC236}">
+                <a16:creationId xmlns:a16="http://schemas.microsoft.com/office/drawing/2014/main" id="{1143504A-FC71-45BE-8A12-39046B5426B5}"/>
+              </a:ext>
+            </a:extLst>
+          </p:cNvPr>
+          <p:cNvSpPr txBox="1"/>
+          <p:nvPr/>
+        </p:nvSpPr>
+        <p:spPr>
+          <a:xfrm>
+            <a:off x="2136926" y="5710789"/>
+            <a:ext cx="1169551" cy="369332"/>
+          </a:xfrm>
+          <a:prstGeom prst="rect">
+            <a:avLst/>
+          </a:prstGeom>
+          <a:noFill/>
+        </p:spPr>
+        <p:txBody>
+          <a:bodyPr wrap="square" rtlCol="0">
+            <a:spAutoFit/>
+          </a:bodyPr>
+          <a:lstStyle/>
+          <a:p>
+            <a:r>
+              <a:rPr lang="en-PH" dirty="0"/>
+              <a:t>City</a:t>
+            </a:r>
+          </a:p>
+        </p:txBody>
+      </p:sp>
+      <p:sp>
+        <p:nvSpPr>
+          <p:cNvPr id="25" name="Rectangle 24">
+            <a:extLst>
+              <a:ext uri="{FF2B5EF4-FFF2-40B4-BE49-F238E27FC236}">
+                <a16:creationId xmlns:a16="http://schemas.microsoft.com/office/drawing/2014/main" id="{CA827592-3EC1-4C5C-B071-EC8BDADA8519}"/>
+              </a:ext>
+            </a:extLst>
+          </p:cNvPr>
+          <p:cNvSpPr/>
+          <p:nvPr/>
+        </p:nvSpPr>
+        <p:spPr>
+          <a:xfrm>
+            <a:off x="7298054" y="1378426"/>
+            <a:ext cx="2493457" cy="443053"/>
+          </a:xfrm>
+          <a:prstGeom prst="rect">
+            <a:avLst/>
+          </a:prstGeom>
+          <a:noFill/>
+          <a:ln>
+            <a:solidFill>
+              <a:schemeClr val="tx1"/>
+            </a:solidFill>
+          </a:ln>
+        </p:spPr>
+        <p:style>
+          <a:lnRef idx="2">
+            <a:schemeClr val="accent1">
+              <a:shade val="50000"/>
+            </a:schemeClr>
+          </a:lnRef>
+          <a:fillRef idx="1">
+            <a:schemeClr val="accent1"/>
+          </a:fillRef>
+          <a:effectRef idx="0">
+            <a:schemeClr val="accent1"/>
+          </a:effectRef>
+          <a:fontRef idx="minor">
+            <a:schemeClr val="lt1"/>
+          </a:fontRef>
+        </p:style>
+        <p:txBody>
+          <a:bodyPr rtlCol="0" anchor="ctr"/>
+          <a:lstStyle/>
+          <a:p>
+            <a:r>
+              <a:rPr lang="en-PH" dirty="0" err="1">
+                <a:solidFill>
+                  <a:schemeClr val="bg1">
+                    <a:lumMod val="65000"/>
+                  </a:schemeClr>
+                </a:solidFill>
+              </a:rPr>
+              <a:t>Poblacion</a:t>
+            </a:r>
+            <a:r>
+              <a:rPr lang="en-PH" dirty="0">
+                <a:solidFill>
+                  <a:schemeClr val="bg1">
+                    <a:lumMod val="65000"/>
+                  </a:schemeClr>
+                </a:solidFill>
+              </a:rPr>
+              <a:t> II</a:t>
+            </a:r>
+          </a:p>
+        </p:txBody>
+      </p:sp>
+      <p:sp>
+        <p:nvSpPr>
+          <p:cNvPr id="26" name="TextBox 25">
+            <a:extLst>
+              <a:ext uri="{FF2B5EF4-FFF2-40B4-BE49-F238E27FC236}">
+                <a16:creationId xmlns:a16="http://schemas.microsoft.com/office/drawing/2014/main" id="{40A39645-6D76-41BE-82D3-E707614CFD25}"/>
+              </a:ext>
+            </a:extLst>
+          </p:cNvPr>
+          <p:cNvSpPr txBox="1"/>
+          <p:nvPr/>
+        </p:nvSpPr>
+        <p:spPr>
+          <a:xfrm>
+            <a:off x="7188872" y="1009094"/>
+            <a:ext cx="1169551" cy="369332"/>
+          </a:xfrm>
+          <a:prstGeom prst="rect">
+            <a:avLst/>
+          </a:prstGeom>
+          <a:noFill/>
+        </p:spPr>
+        <p:txBody>
+          <a:bodyPr wrap="square" rtlCol="0">
+            <a:spAutoFit/>
+          </a:bodyPr>
+          <a:lstStyle/>
+          <a:p>
+            <a:r>
+              <a:rPr lang="en-PH" dirty="0"/>
+              <a:t>Barangay</a:t>
+            </a:r>
+          </a:p>
+        </p:txBody>
+      </p:sp>
+      <p:sp>
+        <p:nvSpPr>
+          <p:cNvPr id="27" name="Rectangle 26">
+            <a:extLst>
+              <a:ext uri="{FF2B5EF4-FFF2-40B4-BE49-F238E27FC236}">
+                <a16:creationId xmlns:a16="http://schemas.microsoft.com/office/drawing/2014/main" id="{E6B75166-8D47-46C5-929C-D2D807228938}"/>
+              </a:ext>
+            </a:extLst>
+          </p:cNvPr>
+          <p:cNvSpPr/>
+          <p:nvPr/>
+        </p:nvSpPr>
+        <p:spPr>
+          <a:xfrm>
+            <a:off x="7298054" y="2302433"/>
+            <a:ext cx="2493457" cy="443053"/>
+          </a:xfrm>
+          <a:prstGeom prst="rect">
+            <a:avLst/>
+          </a:prstGeom>
+          <a:noFill/>
+          <a:ln>
+            <a:solidFill>
+              <a:schemeClr val="tx1"/>
+            </a:solidFill>
+          </a:ln>
+        </p:spPr>
+        <p:style>
+          <a:lnRef idx="2">
+            <a:schemeClr val="accent1">
+              <a:shade val="50000"/>
+            </a:schemeClr>
+          </a:lnRef>
+          <a:fillRef idx="1">
+            <a:schemeClr val="accent1"/>
+          </a:fillRef>
+          <a:effectRef idx="0">
+            <a:schemeClr val="accent1"/>
+          </a:effectRef>
+          <a:fontRef idx="minor">
+            <a:schemeClr val="lt1"/>
+          </a:fontRef>
+        </p:style>
+        <p:txBody>
+          <a:bodyPr rtlCol="0" anchor="ctr"/>
+          <a:lstStyle/>
+          <a:p>
+            <a:r>
+              <a:rPr lang="en-PH" dirty="0">
+                <a:solidFill>
+                  <a:schemeClr val="bg1">
+                    <a:lumMod val="65000"/>
+                  </a:schemeClr>
+                </a:solidFill>
+              </a:rPr>
+              <a:t>917 XXX XXXX</a:t>
+            </a:r>
+          </a:p>
+        </p:txBody>
+      </p:sp>
+      <p:sp>
+        <p:nvSpPr>
+          <p:cNvPr id="28" name="TextBox 27">
+            <a:extLst>
+              <a:ext uri="{FF2B5EF4-FFF2-40B4-BE49-F238E27FC236}">
+                <a16:creationId xmlns:a16="http://schemas.microsoft.com/office/drawing/2014/main" id="{49172C82-87DB-4EB4-87DE-6F042878E84E}"/>
+              </a:ext>
+            </a:extLst>
+          </p:cNvPr>
+          <p:cNvSpPr txBox="1"/>
+          <p:nvPr/>
+        </p:nvSpPr>
+        <p:spPr>
+          <a:xfrm>
+            <a:off x="7188872" y="1933101"/>
+            <a:ext cx="1764059" cy="369332"/>
+          </a:xfrm>
+          <a:prstGeom prst="rect">
+            <a:avLst/>
+          </a:prstGeom>
+          <a:noFill/>
+        </p:spPr>
+        <p:txBody>
+          <a:bodyPr wrap="square" rtlCol="0">
+            <a:spAutoFit/>
+          </a:bodyPr>
+          <a:lstStyle/>
+          <a:p>
+            <a:r>
+              <a:rPr lang="en-PH" dirty="0"/>
+              <a:t>Phone number</a:t>
+            </a:r>
+          </a:p>
+        </p:txBody>
+      </p:sp>
+      <p:sp>
+        <p:nvSpPr>
+          <p:cNvPr id="30" name="Rectangle 29">
+            <a:extLst>
+              <a:ext uri="{FF2B5EF4-FFF2-40B4-BE49-F238E27FC236}">
+                <a16:creationId xmlns:a16="http://schemas.microsoft.com/office/drawing/2014/main" id="{398FCD02-BD1B-479C-AF27-749E629E7C01}"/>
+              </a:ext>
+            </a:extLst>
+          </p:cNvPr>
+          <p:cNvSpPr/>
+          <p:nvPr/>
+        </p:nvSpPr>
+        <p:spPr>
+          <a:xfrm>
+            <a:off x="7298054" y="3226440"/>
+            <a:ext cx="1463809" cy="443053"/>
+          </a:xfrm>
+          <a:prstGeom prst="rect">
+            <a:avLst/>
+          </a:prstGeom>
+          <a:solidFill>
+            <a:schemeClr val="bg1"/>
+          </a:solidFill>
+          <a:ln>
+            <a:solidFill>
+              <a:schemeClr val="tx1"/>
+            </a:solidFill>
+          </a:ln>
+        </p:spPr>
+        <p:style>
+          <a:lnRef idx="2">
+            <a:schemeClr val="accent1">
+              <a:shade val="50000"/>
+            </a:schemeClr>
+          </a:lnRef>
+          <a:fillRef idx="1">
+            <a:schemeClr val="accent1"/>
+          </a:fillRef>
+          <a:effectRef idx="0">
+            <a:schemeClr val="accent1"/>
+          </a:effectRef>
+          <a:fontRef idx="minor">
+            <a:schemeClr val="lt1"/>
+          </a:fontRef>
+        </p:style>
+        <p:txBody>
+          <a:bodyPr rtlCol="0" anchor="ctr"/>
+          <a:lstStyle/>
+          <a:p>
+            <a:r>
+              <a:rPr lang="en-PH" dirty="0">
+                <a:solidFill>
+                  <a:schemeClr val="tx1"/>
+                </a:solidFill>
+              </a:rPr>
+              <a:t>Upload file…</a:t>
+            </a:r>
+          </a:p>
+        </p:txBody>
+      </p:sp>
+      <p:sp>
+        <p:nvSpPr>
+          <p:cNvPr id="31" name="TextBox 30">
+            <a:extLst>
+              <a:ext uri="{FF2B5EF4-FFF2-40B4-BE49-F238E27FC236}">
+                <a16:creationId xmlns:a16="http://schemas.microsoft.com/office/drawing/2014/main" id="{C369526F-4B92-4348-AB75-C61C15C0A23C}"/>
+              </a:ext>
+            </a:extLst>
+          </p:cNvPr>
+          <p:cNvSpPr txBox="1"/>
+          <p:nvPr/>
+        </p:nvSpPr>
+        <p:spPr>
+          <a:xfrm>
+            <a:off x="7188872" y="2857108"/>
+            <a:ext cx="1764059" cy="369332"/>
+          </a:xfrm>
+          <a:prstGeom prst="rect">
+            <a:avLst/>
+          </a:prstGeom>
+          <a:noFill/>
+        </p:spPr>
+        <p:txBody>
+          <a:bodyPr wrap="square" rtlCol="0">
+            <a:spAutoFit/>
+          </a:bodyPr>
+          <a:lstStyle/>
+          <a:p>
+            <a:r>
+              <a:rPr lang="en-PH" dirty="0"/>
+              <a:t>Picture</a:t>
+            </a:r>
+          </a:p>
+        </p:txBody>
+      </p:sp>
+      <p:sp>
+        <p:nvSpPr>
+          <p:cNvPr id="32" name="Rectangle 31">
+            <a:extLst>
+              <a:ext uri="{FF2B5EF4-FFF2-40B4-BE49-F238E27FC236}">
+                <a16:creationId xmlns:a16="http://schemas.microsoft.com/office/drawing/2014/main" id="{A7A02051-9F8E-4CE5-A458-10D1DE536F4B}"/>
+              </a:ext>
+            </a:extLst>
+          </p:cNvPr>
+          <p:cNvSpPr/>
+          <p:nvPr/>
+        </p:nvSpPr>
+        <p:spPr>
+          <a:xfrm>
+            <a:off x="7298054" y="4233697"/>
+            <a:ext cx="2899262" cy="543568"/>
+          </a:xfrm>
+          <a:prstGeom prst="rect">
+            <a:avLst/>
+          </a:prstGeom>
+          <a:solidFill>
+            <a:srgbClr val="DB2D2D"/>
+          </a:solidFill>
+          <a:ln w="28575"/>
+        </p:spPr>
+        <p:style>
+          <a:lnRef idx="2">
+            <a:schemeClr val="accent1">
+              <a:shade val="50000"/>
+            </a:schemeClr>
+          </a:lnRef>
+          <a:fillRef idx="1">
+            <a:schemeClr val="accent1"/>
+          </a:fillRef>
+          <a:effectRef idx="0">
+            <a:schemeClr val="accent1"/>
+          </a:effectRef>
+          <a:fontRef idx="minor">
+            <a:schemeClr val="lt1"/>
+          </a:fontRef>
+        </p:style>
+        <p:txBody>
+          <a:bodyPr rtlCol="0" anchor="ctr"/>
+          <a:lstStyle/>
+          <a:p>
+            <a:pPr algn="ctr"/>
+            <a:r>
+              <a:rPr lang="en-PH" sz="2000" dirty="0">
+                <a:solidFill>
+                  <a:schemeClr val="bg1"/>
+                </a:solidFill>
+              </a:rPr>
+              <a:t>REGISTER</a:t>
+            </a:r>
+          </a:p>
+        </p:txBody>
+      </p:sp>
+      <p:cxnSp>
+        <p:nvCxnSpPr>
+          <p:cNvPr id="33" name="Straight Arrow Connector 32">
+            <a:extLst>
+              <a:ext uri="{FF2B5EF4-FFF2-40B4-BE49-F238E27FC236}">
+                <a16:creationId xmlns:a16="http://schemas.microsoft.com/office/drawing/2014/main" id="{87672013-6DB4-4287-9953-5FAC37EEAB9B}"/>
+              </a:ext>
+            </a:extLst>
+          </p:cNvPr>
+          <p:cNvCxnSpPr>
+            <a:cxnSpLocks/>
+          </p:cNvCxnSpPr>
+          <p:nvPr/>
+        </p:nvCxnSpPr>
+        <p:spPr>
+          <a:xfrm>
+            <a:off x="8132150" y="4770161"/>
+            <a:ext cx="0" cy="588823"/>
+          </a:xfrm>
+          <a:prstGeom prst="straightConnector1">
+            <a:avLst/>
+          </a:prstGeom>
+          <a:ln w="38100">
+            <a:solidFill>
+              <a:schemeClr val="tx1"/>
+            </a:solidFill>
+            <a:tailEnd type="triangle"/>
+          </a:ln>
+        </p:spPr>
+        <p:style>
+          <a:lnRef idx="1">
+            <a:schemeClr val="accent1"/>
+          </a:lnRef>
+          <a:fillRef idx="0">
+            <a:schemeClr val="accent1"/>
+          </a:fillRef>
+          <a:effectRef idx="0">
+            <a:schemeClr val="accent1"/>
+          </a:effectRef>
+          <a:fontRef idx="minor">
+            <a:schemeClr val="tx1"/>
+          </a:fontRef>
+        </p:style>
+      </p:cxnSp>
+      <p:sp>
+        <p:nvSpPr>
+          <p:cNvPr id="34" name="TextBox 33">
+            <a:extLst>
+              <a:ext uri="{FF2B5EF4-FFF2-40B4-BE49-F238E27FC236}">
+                <a16:creationId xmlns:a16="http://schemas.microsoft.com/office/drawing/2014/main" id="{ECB34055-987F-476F-BC5B-FBDCF98C4F37}"/>
+              </a:ext>
+            </a:extLst>
+          </p:cNvPr>
+          <p:cNvSpPr txBox="1"/>
+          <p:nvPr/>
+        </p:nvSpPr>
+        <p:spPr>
+          <a:xfrm>
+            <a:off x="7505980" y="5452472"/>
+            <a:ext cx="1379545" cy="369332"/>
+          </a:xfrm>
+          <a:prstGeom prst="rect">
+            <a:avLst/>
+          </a:prstGeom>
+          <a:noFill/>
+        </p:spPr>
+        <p:txBody>
+          <a:bodyPr wrap="square" rtlCol="0">
+            <a:spAutoFit/>
+          </a:bodyPr>
+          <a:lstStyle/>
+          <a:p>
+            <a:r>
+              <a:rPr lang="en-PH" dirty="0"/>
+              <a:t>Go to page 1</a:t>
             </a:r>
           </a:p>
         </p:txBody>
@@ -5666,7 +9019,7 @@
     </p:spTree>
     <p:extLst>
       <p:ext uri="{BB962C8B-B14F-4D97-AF65-F5344CB8AC3E}">
-        <p14:creationId xmlns:p14="http://schemas.microsoft.com/office/powerpoint/2010/main" val="2512239361"/>
+        <p14:creationId xmlns:p14="http://schemas.microsoft.com/office/powerpoint/2010/main" val="1054268428"/>
       </p:ext>
     </p:extLst>
   </p:cSld>
